--- a/prez/emty.pptx
+++ b/prez/emty.pptx
@@ -10,16 +10,15 @@
     <p:sldId id="258" r:id="rId4"/>
     <p:sldId id="259" r:id="rId5"/>
     <p:sldId id="260" r:id="rId6"/>
-    <p:sldId id="261" r:id="rId7"/>
+    <p:sldId id="271" r:id="rId7"/>
     <p:sldId id="262" r:id="rId8"/>
     <p:sldId id="263" r:id="rId9"/>
-    <p:sldId id="264" r:id="rId10"/>
-    <p:sldId id="265" r:id="rId11"/>
-    <p:sldId id="266" r:id="rId12"/>
-    <p:sldId id="267" r:id="rId13"/>
-    <p:sldId id="268" r:id="rId14"/>
-    <p:sldId id="269" r:id="rId15"/>
-    <p:sldId id="270" r:id="rId16"/>
+    <p:sldId id="265" r:id="rId10"/>
+    <p:sldId id="266" r:id="rId11"/>
+    <p:sldId id="267" r:id="rId12"/>
+    <p:sldId id="268" r:id="rId13"/>
+    <p:sldId id="269" r:id="rId14"/>
+    <p:sldId id="270" r:id="rId15"/>
   </p:sldIdLst>
   <p:sldSz cx="12192000" cy="6858000"/>
   <p:notesSz cx="6858000" cy="9144000"/>
@@ -118,6 +117,11 @@
       </a:defRPr>
     </a:lvl9pPr>
   </p:defaultTextStyle>
+  <p:extLst>
+    <p:ext uri="{EFAFB233-063F-42B5-8137-9DF3F51BA10A}">
+      <p15:sldGuideLst xmlns:p15="http://schemas.microsoft.com/office/powerpoint/2012/main"/>
+    </p:ext>
+  </p:extLst>
 </p:presentation>
 </file>
 
@@ -6166,7 +6170,12 @@
             <p:ph type="title"/>
           </p:nvPr>
         </p:nvSpPr>
-        <p:spPr/>
+        <p:spPr>
+          <a:xfrm>
+            <a:off x="328506" y="646176"/>
+            <a:ext cx="8596668" cy="1320800"/>
+          </a:xfrm>
+        </p:spPr>
         <p:txBody>
           <a:bodyPr>
             <a:normAutofit/>
@@ -6186,7 +6195,22 @@
                   </a:outerShdw>
                 </a:effectLst>
               </a:rPr>
-              <a:t>Порівняння шифрів</a:t>
+              <a:t>Час роботи шифру </a:t>
+            </a:r>
+            <a:r>
+              <a:rPr lang="uk-UA" sz="3800" u="sng" dirty="0" err="1">
+                <a:solidFill>
+                  <a:srgbClr val="286D9F"/>
+                </a:solidFill>
+                <a:effectLst>
+                  <a:outerShdw blurRad="38100" dist="38100" dir="2700000" algn="tl">
+                    <a:srgbClr val="000000">
+                      <a:alpha val="43137"/>
+                    </a:srgbClr>
+                  </a:outerShdw>
+                </a:effectLst>
+              </a:rPr>
+              <a:t>Віженера</a:t>
             </a:r>
             <a:endParaRPr lang="ru-RU" sz="3800" u="sng" dirty="0">
               <a:solidFill>
@@ -6203,8 +6227,2637 @@
           </a:p>
         </p:txBody>
       </p:sp>
-      <mc:AlternateContent xmlns:mc="http://schemas.openxmlformats.org/markup-compatibility/2006">
-        <mc:Choice xmlns:a14="http://schemas.microsoft.com/office/drawing/2010/main" Requires="a14">
+      <p:graphicFrame>
+        <p:nvGraphicFramePr>
+          <p:cNvPr id="10" name="Таблица 9"/>
+          <p:cNvGraphicFramePr>
+            <a:graphicFrameLocks noGrp="1"/>
+          </p:cNvGraphicFramePr>
+          <p:nvPr>
+            <p:extLst>
+              <p:ext uri="{D42A27DB-BD31-4B8C-83A1-F6EECF244321}">
+                <p14:modId xmlns:p14="http://schemas.microsoft.com/office/powerpoint/2010/main" val="1601984292"/>
+              </p:ext>
+            </p:extLst>
+          </p:nvPr>
+        </p:nvGraphicFramePr>
+        <p:xfrm>
+          <a:off x="328507" y="2203704"/>
+          <a:ext cx="9336702" cy="2734055"/>
+        </p:xfrm>
+        <a:graphic>
+          <a:graphicData uri="http://schemas.openxmlformats.org/drawingml/2006/table">
+            <a:tbl>
+              <a:tblPr firstRow="1" bandRow="1">
+                <a:tableStyleId>{5C22544A-7EE6-4342-B048-85BDC9FD1C3A}</a:tableStyleId>
+              </a:tblPr>
+              <a:tblGrid>
+                <a:gridCol w="3112234"/>
+                <a:gridCol w="3112234"/>
+                <a:gridCol w="3112234"/>
+              </a:tblGrid>
+              <a:tr h="947015">
+                <a:tc>
+                  <a:txBody>
+                    <a:bodyPr/>
+                    <a:lstStyle/>
+                    <a:p>
+                      <a:r>
+                        <a:rPr lang="uk-UA" dirty="0" smtClean="0"/>
+                        <a:t>Довжина рядку</a:t>
+                      </a:r>
+                      <a:endParaRPr lang="ru-RU" dirty="0"/>
+                    </a:p>
+                  </a:txBody>
+                  <a:tcPr/>
+                </a:tc>
+                <a:tc>
+                  <a:txBody>
+                    <a:bodyPr/>
+                    <a:lstStyle/>
+                    <a:p>
+                      <a:r>
+                        <a:rPr lang="uk-UA" dirty="0" smtClean="0"/>
+                        <a:t>Кількість запусків програми</a:t>
+                      </a:r>
+                      <a:endParaRPr lang="ru-RU" dirty="0"/>
+                    </a:p>
+                  </a:txBody>
+                  <a:tcPr/>
+                </a:tc>
+                <a:tc>
+                  <a:txBody>
+                    <a:bodyPr/>
+                    <a:lstStyle/>
+                    <a:p>
+                      <a:r>
+                        <a:rPr lang="uk-UA" dirty="0" smtClean="0"/>
+                        <a:t>Час роботи програми в секундах</a:t>
+                      </a:r>
+                      <a:endParaRPr lang="ru-RU" dirty="0"/>
+                    </a:p>
+                  </a:txBody>
+                  <a:tcPr/>
+                </a:tc>
+              </a:tr>
+              <a:tr h="595680">
+                <a:tc>
+                  <a:txBody>
+                    <a:bodyPr/>
+                    <a:lstStyle/>
+                    <a:p>
+                      <a:r>
+                        <a:rPr lang="uk-UA" dirty="0" smtClean="0"/>
+                        <a:t>10000 символів</a:t>
+                      </a:r>
+                      <a:endParaRPr lang="ru-RU" dirty="0"/>
+                    </a:p>
+                  </a:txBody>
+                  <a:tcPr/>
+                </a:tc>
+                <a:tc>
+                  <a:txBody>
+                    <a:bodyPr/>
+                    <a:lstStyle/>
+                    <a:p>
+                      <a:r>
+                        <a:rPr lang="uk-UA" dirty="0" smtClean="0"/>
+                        <a:t>5000 разів</a:t>
+                      </a:r>
+                      <a:endParaRPr lang="ru-RU" dirty="0"/>
+                    </a:p>
+                  </a:txBody>
+                  <a:tcPr/>
+                </a:tc>
+                <a:tc>
+                  <a:txBody>
+                    <a:bodyPr/>
+                    <a:lstStyle/>
+                    <a:p>
+                      <a:r>
+                        <a:rPr lang="uk-UA" dirty="0" smtClean="0"/>
+                        <a:t>0,01547 секунди</a:t>
+                      </a:r>
+                      <a:endParaRPr lang="ru-RU" dirty="0"/>
+                    </a:p>
+                  </a:txBody>
+                  <a:tcPr/>
+                </a:tc>
+              </a:tr>
+              <a:tr h="595680">
+                <a:tc>
+                  <a:txBody>
+                    <a:bodyPr/>
+                    <a:lstStyle/>
+                    <a:p>
+                      <a:r>
+                        <a:rPr lang="uk-UA" dirty="0" smtClean="0"/>
+                        <a:t>100000 символів</a:t>
+                      </a:r>
+                      <a:endParaRPr lang="ru-RU" dirty="0"/>
+                    </a:p>
+                  </a:txBody>
+                  <a:tcPr/>
+                </a:tc>
+                <a:tc>
+                  <a:txBody>
+                    <a:bodyPr/>
+                    <a:lstStyle/>
+                    <a:p>
+                      <a:r>
+                        <a:rPr lang="uk-UA" dirty="0" smtClean="0"/>
+                        <a:t>500 разів</a:t>
+                      </a:r>
+                      <a:endParaRPr lang="ru-RU" dirty="0"/>
+                    </a:p>
+                  </a:txBody>
+                  <a:tcPr/>
+                </a:tc>
+                <a:tc>
+                  <a:txBody>
+                    <a:bodyPr/>
+                    <a:lstStyle/>
+                    <a:p>
+                      <a:r>
+                        <a:rPr lang="uk-UA" dirty="0" smtClean="0"/>
+                        <a:t>0,158 секунди</a:t>
+                      </a:r>
+                      <a:endParaRPr lang="ru-RU" dirty="0"/>
+                    </a:p>
+                  </a:txBody>
+                  <a:tcPr/>
+                </a:tc>
+              </a:tr>
+              <a:tr h="595680">
+                <a:tc>
+                  <a:txBody>
+                    <a:bodyPr/>
+                    <a:lstStyle/>
+                    <a:p>
+                      <a:r>
+                        <a:rPr lang="uk-UA" dirty="0" smtClean="0"/>
+                        <a:t>1000000 символів</a:t>
+                      </a:r>
+                      <a:endParaRPr lang="ru-RU" dirty="0"/>
+                    </a:p>
+                  </a:txBody>
+                  <a:tcPr/>
+                </a:tc>
+                <a:tc>
+                  <a:txBody>
+                    <a:bodyPr/>
+                    <a:lstStyle/>
+                    <a:p>
+                      <a:r>
+                        <a:rPr lang="uk-UA" dirty="0" smtClean="0"/>
+                        <a:t>50 разів</a:t>
+                      </a:r>
+                      <a:endParaRPr lang="ru-RU" dirty="0"/>
+                    </a:p>
+                  </a:txBody>
+                  <a:tcPr/>
+                </a:tc>
+                <a:tc>
+                  <a:txBody>
+                    <a:bodyPr/>
+                    <a:lstStyle/>
+                    <a:p>
+                      <a:r>
+                        <a:rPr lang="uk-UA" dirty="0" smtClean="0"/>
+                        <a:t>1,751 секунди</a:t>
+                      </a:r>
+                      <a:endParaRPr lang="ru-RU" dirty="0"/>
+                    </a:p>
+                  </a:txBody>
+                  <a:tcPr/>
+                </a:tc>
+              </a:tr>
+            </a:tbl>
+          </a:graphicData>
+        </a:graphic>
+      </p:graphicFrame>
+      <p:sp>
+        <p:nvSpPr>
+          <p:cNvPr id="11" name="Объект 10"/>
+          <p:cNvSpPr>
+            <a:spLocks noGrp="1"/>
+          </p:cNvSpPr>
+          <p:nvPr>
+            <p:ph idx="1"/>
+          </p:nvPr>
+        </p:nvSpPr>
+        <p:spPr>
+          <a:xfrm>
+            <a:off x="0" y="0"/>
+            <a:ext cx="328506" cy="189419"/>
+          </a:xfrm>
+        </p:spPr>
+        <p:txBody>
+          <a:bodyPr>
+            <a:normAutofit fontScale="40000" lnSpcReduction="20000"/>
+          </a:bodyPr>
+          <a:lstStyle/>
+          <a:p>
+            <a:pPr marL="0" indent="0">
+              <a:buNone/>
+            </a:pPr>
+            <a:r>
+              <a:rPr lang="uk-UA" dirty="0" smtClean="0"/>
+              <a:t> </a:t>
+            </a:r>
+            <a:endParaRPr lang="ru-RU" dirty="0"/>
+          </a:p>
+        </p:txBody>
+      </p:sp>
+    </p:spTree>
+    <p:extLst>
+      <p:ext uri="{BB962C8B-B14F-4D97-AF65-F5344CB8AC3E}">
+        <p14:creationId xmlns:p14="http://schemas.microsoft.com/office/powerpoint/2010/main" val="1130385027"/>
+      </p:ext>
+    </p:extLst>
+  </p:cSld>
+  <p:clrMapOvr>
+    <a:masterClrMapping/>
+  </p:clrMapOvr>
+  <p:timing>
+    <p:tnLst>
+      <p:par>
+        <p:cTn id="1" dur="indefinite" restart="never" nodeType="tmRoot"/>
+      </p:par>
+    </p:tnLst>
+  </p:timing>
+</p:sld>
+</file>
+
+<file path=ppt/slides/slide11.xml><?xml version="1.0" encoding="utf-8"?>
+<p:sld xmlns:a="http://schemas.openxmlformats.org/drawingml/2006/main" xmlns:r="http://schemas.openxmlformats.org/officeDocument/2006/relationships" xmlns:p="http://schemas.openxmlformats.org/presentationml/2006/main">
+  <p:cSld>
+    <p:spTree>
+      <p:nvGrpSpPr>
+        <p:cNvPr id="1" name=""/>
+        <p:cNvGrpSpPr/>
+        <p:nvPr/>
+      </p:nvGrpSpPr>
+      <p:grpSpPr>
+        <a:xfrm>
+          <a:off x="0" y="0"/>
+          <a:ext cx="0" cy="0"/>
+          <a:chOff x="0" y="0"/>
+          <a:chExt cx="0" cy="0"/>
+        </a:xfrm>
+      </p:grpSpPr>
+      <p:sp>
+        <p:nvSpPr>
+          <p:cNvPr id="2" name="Заголовок 1"/>
+          <p:cNvSpPr>
+            <a:spLocks noGrp="1"/>
+          </p:cNvSpPr>
+          <p:nvPr>
+            <p:ph type="title"/>
+          </p:nvPr>
+        </p:nvSpPr>
+        <p:spPr>
+          <a:xfrm>
+            <a:off x="246887" y="591312"/>
+            <a:ext cx="8596668" cy="1320800"/>
+          </a:xfrm>
+        </p:spPr>
+        <p:txBody>
+          <a:bodyPr>
+            <a:normAutofit/>
+          </a:bodyPr>
+          <a:lstStyle/>
+          <a:p>
+            <a:r>
+              <a:rPr lang="uk-UA" sz="3800" u="sng" dirty="0">
+                <a:solidFill>
+                  <a:srgbClr val="286D9F"/>
+                </a:solidFill>
+                <a:effectLst>
+                  <a:outerShdw blurRad="38100" dist="38100" dir="2700000" algn="tl">
+                    <a:srgbClr val="000000">
+                      <a:alpha val="43137"/>
+                    </a:srgbClr>
+                  </a:outerShdw>
+                </a:effectLst>
+              </a:rPr>
+              <a:t>Час роботи розробленого шифру</a:t>
+            </a:r>
+            <a:endParaRPr lang="ru-RU" sz="3800" u="sng" dirty="0">
+              <a:solidFill>
+                <a:srgbClr val="286D9F"/>
+              </a:solidFill>
+              <a:effectLst>
+                <a:outerShdw blurRad="38100" dist="38100" dir="2700000" algn="tl">
+                  <a:srgbClr val="000000">
+                    <a:alpha val="43137"/>
+                  </a:srgbClr>
+                </a:outerShdw>
+              </a:effectLst>
+            </a:endParaRPr>
+          </a:p>
+        </p:txBody>
+      </p:sp>
+      <p:graphicFrame>
+        <p:nvGraphicFramePr>
+          <p:cNvPr id="5" name="Таблица 4"/>
+          <p:cNvGraphicFramePr>
+            <a:graphicFrameLocks noGrp="1"/>
+          </p:cNvGraphicFramePr>
+          <p:nvPr>
+            <p:extLst>
+              <p:ext uri="{D42A27DB-BD31-4B8C-83A1-F6EECF244321}">
+                <p14:modId xmlns:p14="http://schemas.microsoft.com/office/powerpoint/2010/main" val="2763406412"/>
+              </p:ext>
+            </p:extLst>
+          </p:nvPr>
+        </p:nvGraphicFramePr>
+        <p:xfrm>
+          <a:off x="246887" y="2011680"/>
+          <a:ext cx="9381746" cy="3273550"/>
+        </p:xfrm>
+        <a:graphic>
+          <a:graphicData uri="http://schemas.openxmlformats.org/drawingml/2006/table">
+            <a:tbl>
+              <a:tblPr firstRow="1" bandRow="1">
+                <a:tableStyleId>{5C22544A-7EE6-4342-B048-85BDC9FD1C3A}</a:tableStyleId>
+              </a:tblPr>
+              <a:tblGrid>
+                <a:gridCol w="2499062"/>
+                <a:gridCol w="2191810"/>
+                <a:gridCol w="2345437"/>
+                <a:gridCol w="2345437"/>
+              </a:tblGrid>
+              <a:tr h="654710">
+                <a:tc>
+                  <a:txBody>
+                    <a:bodyPr/>
+                    <a:lstStyle/>
+                    <a:p>
+                      <a:endParaRPr lang="ru-RU" dirty="0"/>
+                    </a:p>
+                  </a:txBody>
+                  <a:tcPr/>
+                </a:tc>
+                <a:tc>
+                  <a:txBody>
+                    <a:bodyPr/>
+                    <a:lstStyle/>
+                    <a:p>
+                      <a:r>
+                        <a:rPr lang="uk-UA" dirty="0" smtClean="0"/>
+                        <a:t>1 прохід</a:t>
+                      </a:r>
+                      <a:endParaRPr lang="ru-RU" dirty="0"/>
+                    </a:p>
+                  </a:txBody>
+                  <a:tcPr/>
+                </a:tc>
+                <a:tc>
+                  <a:txBody>
+                    <a:bodyPr/>
+                    <a:lstStyle/>
+                    <a:p>
+                      <a:r>
+                        <a:rPr lang="uk-UA" dirty="0" smtClean="0"/>
+                        <a:t>10 проходів</a:t>
+                      </a:r>
+                      <a:endParaRPr lang="ru-RU" dirty="0"/>
+                    </a:p>
+                  </a:txBody>
+                  <a:tcPr/>
+                </a:tc>
+                <a:tc>
+                  <a:txBody>
+                    <a:bodyPr/>
+                    <a:lstStyle/>
+                    <a:p>
+                      <a:r>
+                        <a:rPr lang="uk-UA" dirty="0" smtClean="0"/>
+                        <a:t>100 проходів</a:t>
+                      </a:r>
+                      <a:endParaRPr lang="ru-RU" dirty="0"/>
+                    </a:p>
+                  </a:txBody>
+                  <a:tcPr/>
+                </a:tc>
+              </a:tr>
+              <a:tr h="654710">
+                <a:tc>
+                  <a:txBody>
+                    <a:bodyPr/>
+                    <a:lstStyle/>
+                    <a:p>
+                      <a:r>
+                        <a:rPr lang="uk-UA" dirty="0" smtClean="0"/>
+                        <a:t>1000 символів</a:t>
+                      </a:r>
+                      <a:endParaRPr lang="ru-RU" dirty="0"/>
+                    </a:p>
+                  </a:txBody>
+                  <a:tcPr/>
+                </a:tc>
+                <a:tc>
+                  <a:txBody>
+                    <a:bodyPr/>
+                    <a:lstStyle/>
+                    <a:p>
+                      <a:r>
+                        <a:rPr lang="uk-UA" dirty="0" smtClean="0"/>
+                        <a:t>0,0009973 с</a:t>
+                      </a:r>
+                      <a:endParaRPr lang="ru-RU" dirty="0"/>
+                    </a:p>
+                  </a:txBody>
+                  <a:tcPr/>
+                </a:tc>
+                <a:tc>
+                  <a:txBody>
+                    <a:bodyPr/>
+                    <a:lstStyle/>
+                    <a:p>
+                      <a:r>
+                        <a:rPr lang="uk-UA" dirty="0" smtClean="0"/>
+                        <a:t>0,00498 с</a:t>
+                      </a:r>
+                      <a:endParaRPr lang="ru-RU" dirty="0"/>
+                    </a:p>
+                  </a:txBody>
+                  <a:tcPr/>
+                </a:tc>
+                <a:tc>
+                  <a:txBody>
+                    <a:bodyPr/>
+                    <a:lstStyle/>
+                    <a:p>
+                      <a:r>
+                        <a:rPr lang="uk-UA" dirty="0" smtClean="0"/>
+                        <a:t>0,0428 с</a:t>
+                      </a:r>
+                      <a:endParaRPr lang="ru-RU" dirty="0"/>
+                    </a:p>
+                  </a:txBody>
+                  <a:tcPr/>
+                </a:tc>
+              </a:tr>
+              <a:tr h="654710">
+                <a:tc>
+                  <a:txBody>
+                    <a:bodyPr/>
+                    <a:lstStyle/>
+                    <a:p>
+                      <a:r>
+                        <a:rPr lang="uk-UA" dirty="0" smtClean="0"/>
+                        <a:t>10000 символів</a:t>
+                      </a:r>
+                      <a:endParaRPr lang="ru-RU" dirty="0"/>
+                    </a:p>
+                  </a:txBody>
+                  <a:tcPr/>
+                </a:tc>
+                <a:tc>
+                  <a:txBody>
+                    <a:bodyPr/>
+                    <a:lstStyle/>
+                    <a:p>
+                      <a:r>
+                        <a:rPr lang="uk-UA" dirty="0" smtClean="0"/>
+                        <a:t>0,0079779 с</a:t>
+                      </a:r>
+                      <a:endParaRPr lang="ru-RU" dirty="0"/>
+                    </a:p>
+                  </a:txBody>
+                  <a:tcPr/>
+                </a:tc>
+                <a:tc>
+                  <a:txBody>
+                    <a:bodyPr/>
+                    <a:lstStyle/>
+                    <a:p>
+                      <a:r>
+                        <a:rPr lang="uk-UA" dirty="0" smtClean="0"/>
+                        <a:t>0,04985 с</a:t>
+                      </a:r>
+                      <a:endParaRPr lang="ru-RU" dirty="0"/>
+                    </a:p>
+                  </a:txBody>
+                  <a:tcPr/>
+                </a:tc>
+                <a:tc>
+                  <a:txBody>
+                    <a:bodyPr/>
+                    <a:lstStyle/>
+                    <a:p>
+                      <a:r>
+                        <a:rPr lang="uk-UA" dirty="0" smtClean="0"/>
+                        <a:t>0,4363 с</a:t>
+                      </a:r>
+                      <a:endParaRPr lang="ru-RU" dirty="0"/>
+                    </a:p>
+                  </a:txBody>
+                  <a:tcPr/>
+                </a:tc>
+              </a:tr>
+              <a:tr h="654710">
+                <a:tc>
+                  <a:txBody>
+                    <a:bodyPr/>
+                    <a:lstStyle/>
+                    <a:p>
+                      <a:r>
+                        <a:rPr lang="uk-UA" dirty="0" smtClean="0"/>
+                        <a:t>100000 символів</a:t>
+                      </a:r>
+                      <a:endParaRPr lang="ru-RU" dirty="0"/>
+                    </a:p>
+                  </a:txBody>
+                  <a:tcPr/>
+                </a:tc>
+                <a:tc>
+                  <a:txBody>
+                    <a:bodyPr/>
+                    <a:lstStyle/>
+                    <a:p>
+                      <a:r>
+                        <a:rPr lang="uk-UA" dirty="0" smtClean="0"/>
+                        <a:t>0,0797855 с</a:t>
+                      </a:r>
+                      <a:endParaRPr lang="ru-RU" dirty="0"/>
+                    </a:p>
+                  </a:txBody>
+                  <a:tcPr/>
+                </a:tc>
+                <a:tc>
+                  <a:txBody>
+                    <a:bodyPr/>
+                    <a:lstStyle/>
+                    <a:p>
+                      <a:r>
+                        <a:rPr lang="uk-UA" dirty="0" smtClean="0"/>
+                        <a:t>0,48044 с</a:t>
+                      </a:r>
+                      <a:endParaRPr lang="ru-RU" dirty="0"/>
+                    </a:p>
+                  </a:txBody>
+                  <a:tcPr/>
+                </a:tc>
+                <a:tc>
+                  <a:txBody>
+                    <a:bodyPr/>
+                    <a:lstStyle/>
+                    <a:p>
+                      <a:r>
+                        <a:rPr lang="uk-UA" dirty="0" smtClean="0"/>
+                        <a:t>4,4514 с</a:t>
+                      </a:r>
+                      <a:endParaRPr lang="ru-RU" dirty="0"/>
+                    </a:p>
+                  </a:txBody>
+                  <a:tcPr/>
+                </a:tc>
+              </a:tr>
+              <a:tr h="654710">
+                <a:tc>
+                  <a:txBody>
+                    <a:bodyPr/>
+                    <a:lstStyle/>
+                    <a:p>
+                      <a:r>
+                        <a:rPr lang="uk-UA" dirty="0" smtClean="0"/>
+                        <a:t>1000000 символів</a:t>
+                      </a:r>
+                      <a:endParaRPr lang="ru-RU" dirty="0"/>
+                    </a:p>
+                  </a:txBody>
+                  <a:tcPr/>
+                </a:tc>
+                <a:tc>
+                  <a:txBody>
+                    <a:bodyPr/>
+                    <a:lstStyle/>
+                    <a:p>
+                      <a:r>
+                        <a:rPr lang="uk-UA" dirty="0" smtClean="0"/>
+                        <a:t>0,7979397 с</a:t>
+                      </a:r>
+                      <a:endParaRPr lang="ru-RU" dirty="0"/>
+                    </a:p>
+                  </a:txBody>
+                  <a:tcPr/>
+                </a:tc>
+                <a:tc>
+                  <a:txBody>
+                    <a:bodyPr/>
+                    <a:lstStyle/>
+                    <a:p>
+                      <a:r>
+                        <a:rPr lang="uk-UA" dirty="0" smtClean="0"/>
+                        <a:t>4,96143 с</a:t>
+                      </a:r>
+                      <a:endParaRPr lang="ru-RU" dirty="0"/>
+                    </a:p>
+                  </a:txBody>
+                  <a:tcPr/>
+                </a:tc>
+                <a:tc>
+                  <a:txBody>
+                    <a:bodyPr/>
+                    <a:lstStyle/>
+                    <a:p>
+                      <a:r>
+                        <a:rPr lang="uk-UA" dirty="0" smtClean="0"/>
+                        <a:t>48,784 с</a:t>
+                      </a:r>
+                      <a:endParaRPr lang="ru-RU" dirty="0"/>
+                    </a:p>
+                  </a:txBody>
+                  <a:tcPr/>
+                </a:tc>
+              </a:tr>
+            </a:tbl>
+          </a:graphicData>
+        </a:graphic>
+      </p:graphicFrame>
+      <p:sp>
+        <p:nvSpPr>
+          <p:cNvPr id="6" name="Объект 5"/>
+          <p:cNvSpPr>
+            <a:spLocks noGrp="1"/>
+          </p:cNvSpPr>
+          <p:nvPr>
+            <p:ph idx="1"/>
+          </p:nvPr>
+        </p:nvSpPr>
+        <p:spPr>
+          <a:xfrm>
+            <a:off x="0" y="0"/>
+            <a:ext cx="337650" cy="189419"/>
+          </a:xfrm>
+        </p:spPr>
+        <p:txBody>
+          <a:bodyPr>
+            <a:normAutofit fontScale="40000" lnSpcReduction="20000"/>
+          </a:bodyPr>
+          <a:lstStyle/>
+          <a:p>
+            <a:pPr marL="0" indent="0">
+              <a:buNone/>
+            </a:pPr>
+            <a:r>
+              <a:rPr lang="uk-UA" dirty="0"/>
+              <a:t> </a:t>
+            </a:r>
+            <a:endParaRPr lang="ru-RU" dirty="0"/>
+          </a:p>
+        </p:txBody>
+      </p:sp>
+    </p:spTree>
+    <p:extLst>
+      <p:ext uri="{BB962C8B-B14F-4D97-AF65-F5344CB8AC3E}">
+        <p14:creationId xmlns:p14="http://schemas.microsoft.com/office/powerpoint/2010/main" val="3267060538"/>
+      </p:ext>
+    </p:extLst>
+  </p:cSld>
+  <p:clrMapOvr>
+    <a:masterClrMapping/>
+  </p:clrMapOvr>
+  <p:timing>
+    <p:tnLst>
+      <p:par>
+        <p:cTn id="1" dur="indefinite" restart="never" nodeType="tmRoot"/>
+      </p:par>
+    </p:tnLst>
+  </p:timing>
+</p:sld>
+</file>
+
+<file path=ppt/slides/slide12.xml><?xml version="1.0" encoding="utf-8"?>
+<p:sld xmlns:a="http://schemas.openxmlformats.org/drawingml/2006/main" xmlns:r="http://schemas.openxmlformats.org/officeDocument/2006/relationships" xmlns:p="http://schemas.openxmlformats.org/presentationml/2006/main">
+  <p:cSld>
+    <p:spTree>
+      <p:nvGrpSpPr>
+        <p:cNvPr id="1" name=""/>
+        <p:cNvGrpSpPr/>
+        <p:nvPr/>
+      </p:nvGrpSpPr>
+      <p:grpSpPr>
+        <a:xfrm>
+          <a:off x="0" y="0"/>
+          <a:ext cx="0" cy="0"/>
+          <a:chOff x="0" y="0"/>
+          <a:chExt cx="0" cy="0"/>
+        </a:xfrm>
+      </p:grpSpPr>
+      <p:sp>
+        <p:nvSpPr>
+          <p:cNvPr id="2" name="Заголовок 1"/>
+          <p:cNvSpPr>
+            <a:spLocks noGrp="1"/>
+          </p:cNvSpPr>
+          <p:nvPr>
+            <p:ph type="title"/>
+          </p:nvPr>
+        </p:nvSpPr>
+        <p:spPr>
+          <a:xfrm>
+            <a:off x="668190" y="252984"/>
+            <a:ext cx="8596668" cy="1320800"/>
+          </a:xfrm>
+        </p:spPr>
+        <p:txBody>
+          <a:bodyPr>
+            <a:normAutofit/>
+          </a:bodyPr>
+          <a:lstStyle/>
+          <a:p>
+            <a:pPr algn="ctr"/>
+            <a:r>
+              <a:rPr lang="uk-UA" sz="3800" u="sng" dirty="0" smtClean="0">
+                <a:solidFill>
+                  <a:srgbClr val="286D9F"/>
+                </a:solidFill>
+                <a:effectLst>
+                  <a:outerShdw blurRad="38100" dist="38100" dir="2700000" algn="tl">
+                    <a:srgbClr val="000000">
+                      <a:alpha val="43137"/>
+                    </a:srgbClr>
+                  </a:outerShdw>
+                </a:effectLst>
+              </a:rPr>
+              <a:t>Демонстрація роботи програми</a:t>
+            </a:r>
+            <a:endParaRPr lang="ru-RU" sz="3800" u="sng" dirty="0">
+              <a:solidFill>
+                <a:srgbClr val="286D9F"/>
+              </a:solidFill>
+              <a:effectLst>
+                <a:outerShdw blurRad="38100" dist="38100" dir="2700000" algn="tl">
+                  <a:srgbClr val="000000">
+                    <a:alpha val="43137"/>
+                  </a:srgbClr>
+                </a:outerShdw>
+              </a:effectLst>
+            </a:endParaRPr>
+          </a:p>
+        </p:txBody>
+      </p:sp>
+      <p:pic>
+        <p:nvPicPr>
+          <p:cNvPr id="4" name="ezgif.com-gif-maker">
+            <a:hlinkClick r:id="" action="ppaction://media"/>
+          </p:cNvPr>
+          <p:cNvPicPr>
+            <a:picLocks noGrp="1" noChangeAspect="1"/>
+          </p:cNvPicPr>
+          <p:nvPr>
+            <p:ph idx="1"/>
+            <a:videoFile r:link="rId2"/>
+            <p:extLst>
+              <p:ext uri="{DAA4B4D4-6D71-4841-9C94-3DE7FCFB9230}">
+                <p14:media xmlns:p14="http://schemas.microsoft.com/office/powerpoint/2010/main" r:embed="rId1"/>
+              </p:ext>
+            </p:extLst>
+          </p:nvPr>
+        </p:nvPicPr>
+        <p:blipFill>
+          <a:blip r:embed="rId4"/>
+          <a:stretch>
+            <a:fillRect/>
+          </a:stretch>
+        </p:blipFill>
+        <p:spPr>
+          <a:xfrm>
+            <a:off x="321074" y="1270000"/>
+            <a:ext cx="9425615" cy="4911344"/>
+          </a:xfrm>
+        </p:spPr>
+      </p:pic>
+    </p:spTree>
+    <p:extLst>
+      <p:ext uri="{BB962C8B-B14F-4D97-AF65-F5344CB8AC3E}">
+        <p14:creationId xmlns:p14="http://schemas.microsoft.com/office/powerpoint/2010/main" val="2759377384"/>
+      </p:ext>
+    </p:extLst>
+  </p:cSld>
+  <p:clrMapOvr>
+    <a:masterClrMapping/>
+  </p:clrMapOvr>
+  <p:timing>
+    <p:tnLst>
+      <p:par>
+        <p:cTn id="1" dur="indefinite" restart="never" nodeType="tmRoot">
+          <p:childTnLst>
+            <p:seq concurrent="1" nextAc="seek">
+              <p:cTn id="2" restart="whenNotActive" fill="hold" evtFilter="cancelBubble" nodeType="interactiveSeq">
+                <p:stCondLst>
+                  <p:cond evt="onClick" delay="0">
+                    <p:tgtEl>
+                      <p:spTgt spid="4"/>
+                    </p:tgtEl>
+                  </p:cond>
+                </p:stCondLst>
+                <p:endSync evt="end" delay="0">
+                  <p:rtn val="all"/>
+                </p:endSync>
+                <p:childTnLst>
+                  <p:par>
+                    <p:cTn id="3" fill="hold">
+                      <p:stCondLst>
+                        <p:cond delay="0"/>
+                      </p:stCondLst>
+                      <p:childTnLst>
+                        <p:par>
+                          <p:cTn id="4" fill="hold">
+                            <p:stCondLst>
+                              <p:cond delay="0"/>
+                            </p:stCondLst>
+                            <p:childTnLst>
+                              <p:par>
+                                <p:cTn id="5" presetID="2" presetClass="mediacall" presetSubtype="0" fill="hold" nodeType="clickEffect">
+                                  <p:stCondLst>
+                                    <p:cond delay="0"/>
+                                  </p:stCondLst>
+                                  <p:childTnLst>
+                                    <p:cmd type="call" cmd="togglePause">
+                                      <p:cBhvr>
+                                        <p:cTn id="6" dur="1" fill="hold"/>
+                                        <p:tgtEl>
+                                          <p:spTgt spid="4"/>
+                                        </p:tgtEl>
+                                      </p:cBhvr>
+                                    </p:cmd>
+                                  </p:childTnLst>
+                                </p:cTn>
+                              </p:par>
+                            </p:childTnLst>
+                          </p:cTn>
+                        </p:par>
+                      </p:childTnLst>
+                    </p:cTn>
+                  </p:par>
+                </p:childTnLst>
+              </p:cTn>
+              <p:nextCondLst>
+                <p:cond evt="onClick" delay="0">
+                  <p:tgtEl>
+                    <p:spTgt spid="4"/>
+                  </p:tgtEl>
+                </p:cond>
+              </p:nextCondLst>
+            </p:seq>
+            <p:video>
+              <p:cMediaNode vol="80000">
+                <p:cTn id="7" fill="hold" display="0">
+                  <p:stCondLst>
+                    <p:cond delay="indefinite"/>
+                  </p:stCondLst>
+                </p:cTn>
+                <p:tgtEl>
+                  <p:spTgt spid="4"/>
+                </p:tgtEl>
+              </p:cMediaNode>
+            </p:video>
+          </p:childTnLst>
+        </p:cTn>
+      </p:par>
+    </p:tnLst>
+  </p:timing>
+</p:sld>
+</file>
+
+<file path=ppt/slides/slide13.xml><?xml version="1.0" encoding="utf-8"?>
+<p:sld xmlns:a="http://schemas.openxmlformats.org/drawingml/2006/main" xmlns:r="http://schemas.openxmlformats.org/officeDocument/2006/relationships" xmlns:p="http://schemas.openxmlformats.org/presentationml/2006/main">
+  <p:cSld>
+    <p:spTree>
+      <p:nvGrpSpPr>
+        <p:cNvPr id="1" name=""/>
+        <p:cNvGrpSpPr/>
+        <p:nvPr/>
+      </p:nvGrpSpPr>
+      <p:grpSpPr>
+        <a:xfrm>
+          <a:off x="0" y="0"/>
+          <a:ext cx="0" cy="0"/>
+          <a:chOff x="0" y="0"/>
+          <a:chExt cx="0" cy="0"/>
+        </a:xfrm>
+      </p:grpSpPr>
+      <p:sp>
+        <p:nvSpPr>
+          <p:cNvPr id="2" name="Заголовок 1"/>
+          <p:cNvSpPr>
+            <a:spLocks noGrp="1"/>
+          </p:cNvSpPr>
+          <p:nvPr>
+            <p:ph type="title"/>
+          </p:nvPr>
+        </p:nvSpPr>
+        <p:spPr>
+          <a:xfrm>
+            <a:off x="677334" y="600456"/>
+            <a:ext cx="8596668" cy="1320800"/>
+          </a:xfrm>
+        </p:spPr>
+        <p:txBody>
+          <a:bodyPr>
+            <a:normAutofit/>
+          </a:bodyPr>
+          <a:lstStyle/>
+          <a:p>
+            <a:r>
+              <a:rPr lang="uk-UA" sz="3800" u="sng" dirty="0">
+                <a:solidFill>
+                  <a:srgbClr val="286D9F"/>
+                </a:solidFill>
+                <a:effectLst>
+                  <a:outerShdw blurRad="38100" dist="38100" dir="2700000" algn="tl">
+                    <a:srgbClr val="000000">
+                      <a:alpha val="43137"/>
+                    </a:srgbClr>
+                  </a:outerShdw>
+                </a:effectLst>
+              </a:rPr>
+              <a:t>Висновки</a:t>
+            </a:r>
+            <a:endParaRPr lang="ru-RU" sz="3800" u="sng" dirty="0">
+              <a:solidFill>
+                <a:srgbClr val="286D9F"/>
+              </a:solidFill>
+              <a:effectLst>
+                <a:outerShdw blurRad="38100" dist="38100" dir="2700000" algn="tl">
+                  <a:srgbClr val="000000">
+                    <a:alpha val="43137"/>
+                  </a:srgbClr>
+                </a:outerShdw>
+              </a:effectLst>
+            </a:endParaRPr>
+          </a:p>
+        </p:txBody>
+      </p:sp>
+      <p:sp>
+        <p:nvSpPr>
+          <p:cNvPr id="3" name="Объект 2"/>
+          <p:cNvSpPr>
+            <a:spLocks noGrp="1"/>
+          </p:cNvSpPr>
+          <p:nvPr>
+            <p:ph idx="1"/>
+          </p:nvPr>
+        </p:nvSpPr>
+        <p:spPr>
+          <a:xfrm>
+            <a:off x="777918" y="2133157"/>
+            <a:ext cx="8596668" cy="3880773"/>
+          </a:xfrm>
+        </p:spPr>
+        <p:txBody>
+          <a:bodyPr>
+            <a:normAutofit/>
+          </a:bodyPr>
+          <a:lstStyle/>
+          <a:p>
+            <a:pPr>
+              <a:buFont typeface="Wingdings" panose="05000000000000000000" pitchFamily="2" charset="2"/>
+              <a:buChar char="Ø"/>
+            </a:pPr>
+            <a:r>
+              <a:rPr lang="uk-UA" sz="2400" dirty="0" smtClean="0">
+                <a:solidFill>
+                  <a:schemeClr val="accent1">
+                    <a:lumMod val="75000"/>
+                  </a:schemeClr>
+                </a:solidFill>
+              </a:rPr>
+              <a:t>Для </a:t>
+            </a:r>
+            <a:r>
+              <a:rPr lang="uk-UA" sz="2400" dirty="0">
+                <a:solidFill>
+                  <a:schemeClr val="accent1">
+                    <a:lumMod val="75000"/>
+                  </a:schemeClr>
+                </a:solidFill>
+              </a:rPr>
+              <a:t>вирішення даного завдання не можна використовувати шифр </a:t>
+            </a:r>
+            <a:r>
+              <a:rPr lang="uk-UA" sz="2400" dirty="0" err="1">
+                <a:solidFill>
+                  <a:schemeClr val="accent1">
+                    <a:lumMod val="75000"/>
+                  </a:schemeClr>
+                </a:solidFill>
+              </a:rPr>
+              <a:t>Вєрнама</a:t>
+            </a:r>
+            <a:endParaRPr lang="uk-UA" sz="2400" dirty="0">
+              <a:solidFill>
+                <a:schemeClr val="accent1">
+                  <a:lumMod val="75000"/>
+                </a:schemeClr>
+              </a:solidFill>
+            </a:endParaRPr>
+          </a:p>
+          <a:p>
+            <a:pPr>
+              <a:buFont typeface="Wingdings" panose="05000000000000000000" pitchFamily="2" charset="2"/>
+              <a:buChar char="Ø"/>
+            </a:pPr>
+            <a:endParaRPr lang="uk-UA" sz="2400" dirty="0">
+              <a:solidFill>
+                <a:schemeClr val="accent1">
+                  <a:lumMod val="75000"/>
+                </a:schemeClr>
+              </a:solidFill>
+            </a:endParaRPr>
+          </a:p>
+          <a:p>
+            <a:pPr>
+              <a:buFont typeface="Wingdings" panose="05000000000000000000" pitchFamily="2" charset="2"/>
+              <a:buChar char="Ø"/>
+            </a:pPr>
+            <a:r>
+              <a:rPr lang="uk-UA" sz="2400" dirty="0" smtClean="0">
+                <a:solidFill>
+                  <a:schemeClr val="accent1">
+                    <a:lumMod val="75000"/>
+                  </a:schemeClr>
+                </a:solidFill>
+              </a:rPr>
+              <a:t>Шифри </a:t>
+            </a:r>
+            <a:r>
+              <a:rPr lang="en-US" sz="2400" dirty="0">
+                <a:solidFill>
+                  <a:schemeClr val="accent1">
+                    <a:lumMod val="75000"/>
+                  </a:schemeClr>
+                </a:solidFill>
+              </a:rPr>
+              <a:t>DES </a:t>
+            </a:r>
+            <a:r>
+              <a:rPr lang="uk-UA" sz="2400" dirty="0">
+                <a:solidFill>
+                  <a:schemeClr val="accent1">
+                    <a:lumMod val="75000"/>
+                  </a:schemeClr>
+                </a:solidFill>
+              </a:rPr>
+              <a:t>та розроблений шифр будуть шифрувати повідомлення краще за </a:t>
+            </a:r>
+            <a:r>
+              <a:rPr lang="uk-UA" sz="2400" dirty="0" err="1">
+                <a:solidFill>
+                  <a:schemeClr val="accent1">
+                    <a:lumMod val="75000"/>
+                  </a:schemeClr>
+                </a:solidFill>
+              </a:rPr>
+              <a:t>шифир</a:t>
+            </a:r>
+            <a:r>
+              <a:rPr lang="uk-UA" sz="2400" dirty="0">
+                <a:solidFill>
+                  <a:schemeClr val="accent1">
+                    <a:lumMod val="75000"/>
+                  </a:schemeClr>
+                </a:solidFill>
+              </a:rPr>
+              <a:t> </a:t>
+            </a:r>
+            <a:r>
+              <a:rPr lang="uk-UA" sz="2400" dirty="0" err="1">
+                <a:solidFill>
+                  <a:schemeClr val="accent1">
+                    <a:lumMod val="75000"/>
+                  </a:schemeClr>
+                </a:solidFill>
+              </a:rPr>
+              <a:t>Віженера</a:t>
+            </a:r>
+            <a:endParaRPr lang="uk-UA" sz="2400" dirty="0">
+              <a:solidFill>
+                <a:schemeClr val="accent1">
+                  <a:lumMod val="75000"/>
+                </a:schemeClr>
+              </a:solidFill>
+            </a:endParaRPr>
+          </a:p>
+          <a:p>
+            <a:pPr>
+              <a:buFont typeface="Wingdings" panose="05000000000000000000" pitchFamily="2" charset="2"/>
+              <a:buChar char="Ø"/>
+            </a:pPr>
+            <a:endParaRPr lang="uk-UA" sz="2400" dirty="0">
+              <a:solidFill>
+                <a:schemeClr val="accent1">
+                  <a:lumMod val="75000"/>
+                </a:schemeClr>
+              </a:solidFill>
+            </a:endParaRPr>
+          </a:p>
+          <a:p>
+            <a:pPr>
+              <a:buFont typeface="Wingdings" panose="05000000000000000000" pitchFamily="2" charset="2"/>
+              <a:buChar char="Ø"/>
+            </a:pPr>
+            <a:r>
+              <a:rPr lang="uk-UA" sz="2400" dirty="0" smtClean="0">
+                <a:solidFill>
+                  <a:schemeClr val="accent1">
+                    <a:lumMod val="75000"/>
+                  </a:schemeClr>
+                </a:solidFill>
+              </a:rPr>
+              <a:t>На </a:t>
+            </a:r>
+            <a:r>
+              <a:rPr lang="uk-UA" sz="2400" dirty="0">
+                <a:solidFill>
+                  <a:schemeClr val="accent1">
+                    <a:lumMod val="75000"/>
+                  </a:schemeClr>
+                </a:solidFill>
+              </a:rPr>
+              <a:t>великих рядках краще працює розроблений шифр, ніж шифр </a:t>
+            </a:r>
+            <a:r>
+              <a:rPr lang="en-US" sz="2400" dirty="0">
+                <a:solidFill>
+                  <a:schemeClr val="accent1">
+                    <a:lumMod val="75000"/>
+                  </a:schemeClr>
+                </a:solidFill>
+              </a:rPr>
+              <a:t>DES</a:t>
+            </a:r>
+            <a:endParaRPr lang="ru-RU" sz="2400" dirty="0">
+              <a:solidFill>
+                <a:schemeClr val="accent1">
+                  <a:lumMod val="75000"/>
+                </a:schemeClr>
+              </a:solidFill>
+            </a:endParaRPr>
+          </a:p>
+          <a:p>
+            <a:pPr>
+              <a:buFont typeface="Wingdings" panose="05000000000000000000" pitchFamily="2" charset="2"/>
+              <a:buChar char="Ø"/>
+            </a:pPr>
+            <a:endParaRPr lang="ru-RU" sz="2400" dirty="0">
+              <a:solidFill>
+                <a:schemeClr val="accent1">
+                  <a:lumMod val="75000"/>
+                </a:schemeClr>
+              </a:solidFill>
+            </a:endParaRPr>
+          </a:p>
+        </p:txBody>
+      </p:sp>
+    </p:spTree>
+    <p:extLst>
+      <p:ext uri="{BB962C8B-B14F-4D97-AF65-F5344CB8AC3E}">
+        <p14:creationId xmlns:p14="http://schemas.microsoft.com/office/powerpoint/2010/main" val="2835502666"/>
+      </p:ext>
+    </p:extLst>
+  </p:cSld>
+  <p:clrMapOvr>
+    <a:masterClrMapping/>
+  </p:clrMapOvr>
+  <p:timing>
+    <p:tnLst>
+      <p:par>
+        <p:cTn id="1" dur="indefinite" restart="never" nodeType="tmRoot"/>
+      </p:par>
+    </p:tnLst>
+  </p:timing>
+</p:sld>
+</file>
+
+<file path=ppt/slides/slide14.xml><?xml version="1.0" encoding="utf-8"?>
+<p:sld xmlns:a="http://schemas.openxmlformats.org/drawingml/2006/main" xmlns:r="http://schemas.openxmlformats.org/officeDocument/2006/relationships" xmlns:p="http://schemas.openxmlformats.org/presentationml/2006/main">
+  <p:cSld>
+    <p:spTree>
+      <p:nvGrpSpPr>
+        <p:cNvPr id="1" name=""/>
+        <p:cNvGrpSpPr/>
+        <p:nvPr/>
+      </p:nvGrpSpPr>
+      <p:grpSpPr>
+        <a:xfrm>
+          <a:off x="0" y="0"/>
+          <a:ext cx="0" cy="0"/>
+          <a:chOff x="0" y="0"/>
+          <a:chExt cx="0" cy="0"/>
+        </a:xfrm>
+      </p:grpSpPr>
+      <p:sp>
+        <p:nvSpPr>
+          <p:cNvPr id="2" name="Заголовок 1"/>
+          <p:cNvSpPr>
+            <a:spLocks noGrp="1"/>
+          </p:cNvSpPr>
+          <p:nvPr>
+            <p:ph type="title"/>
+          </p:nvPr>
+        </p:nvSpPr>
+        <p:spPr>
+          <a:xfrm>
+            <a:off x="869358" y="2731008"/>
+            <a:ext cx="8596668" cy="1320800"/>
+          </a:xfrm>
+        </p:spPr>
+        <p:txBody>
+          <a:bodyPr>
+            <a:normAutofit/>
+          </a:bodyPr>
+          <a:lstStyle/>
+          <a:p>
+            <a:r>
+              <a:rPr lang="uk-UA" sz="7200" dirty="0">
+                <a:latin typeface="Helvetica" panose="020B0604020202020204" pitchFamily="34" charset="0"/>
+                <a:cs typeface="Helvetica" panose="020B0604020202020204" pitchFamily="34" charset="0"/>
+              </a:rPr>
+              <a:t>ДЯКУЮ ЗА УВАГУ!</a:t>
+            </a:r>
+            <a:endParaRPr lang="ru-RU" sz="7200" dirty="0">
+              <a:latin typeface="Helvetica" panose="020B0604020202020204" pitchFamily="34" charset="0"/>
+              <a:cs typeface="Helvetica" panose="020B0604020202020204" pitchFamily="34" charset="0"/>
+            </a:endParaRPr>
+          </a:p>
+        </p:txBody>
+      </p:sp>
+      <p:sp>
+        <p:nvSpPr>
+          <p:cNvPr id="3" name="Объект 2"/>
+          <p:cNvSpPr>
+            <a:spLocks noGrp="1"/>
+          </p:cNvSpPr>
+          <p:nvPr>
+            <p:ph idx="1"/>
+          </p:nvPr>
+        </p:nvSpPr>
+        <p:spPr>
+          <a:xfrm>
+            <a:off x="0" y="0"/>
+            <a:ext cx="301074" cy="207707"/>
+          </a:xfrm>
+        </p:spPr>
+        <p:txBody>
+          <a:bodyPr>
+            <a:normAutofit fontScale="47500" lnSpcReduction="20000"/>
+          </a:bodyPr>
+          <a:lstStyle/>
+          <a:p>
+            <a:pPr marL="0" indent="0">
+              <a:buNone/>
+            </a:pPr>
+            <a:r>
+              <a:rPr lang="uk-UA" dirty="0"/>
+              <a:t> </a:t>
+            </a:r>
+            <a:endParaRPr lang="ru-RU" dirty="0"/>
+          </a:p>
+        </p:txBody>
+      </p:sp>
+    </p:spTree>
+    <p:extLst>
+      <p:ext uri="{BB962C8B-B14F-4D97-AF65-F5344CB8AC3E}">
+        <p14:creationId xmlns:p14="http://schemas.microsoft.com/office/powerpoint/2010/main" val="2725319594"/>
+      </p:ext>
+    </p:extLst>
+  </p:cSld>
+  <p:clrMapOvr>
+    <a:masterClrMapping/>
+  </p:clrMapOvr>
+  <p:timing>
+    <p:tnLst>
+      <p:par>
+        <p:cTn id="1" dur="indefinite" restart="never" nodeType="tmRoot"/>
+      </p:par>
+    </p:tnLst>
+  </p:timing>
+</p:sld>
+</file>
+
+<file path=ppt/slides/slide2.xml><?xml version="1.0" encoding="utf-8"?>
+<p:sld xmlns:a="http://schemas.openxmlformats.org/drawingml/2006/main" xmlns:r="http://schemas.openxmlformats.org/officeDocument/2006/relationships" xmlns:p="http://schemas.openxmlformats.org/presentationml/2006/main">
+  <p:cSld>
+    <p:spTree>
+      <p:nvGrpSpPr>
+        <p:cNvPr id="1" name=""/>
+        <p:cNvGrpSpPr/>
+        <p:nvPr/>
+      </p:nvGrpSpPr>
+      <p:grpSpPr>
+        <a:xfrm>
+          <a:off x="0" y="0"/>
+          <a:ext cx="0" cy="0"/>
+          <a:chOff x="0" y="0"/>
+          <a:chExt cx="0" cy="0"/>
+        </a:xfrm>
+      </p:grpSpPr>
+      <p:sp>
+        <p:nvSpPr>
+          <p:cNvPr id="2" name="Заголовок 1"/>
+          <p:cNvSpPr>
+            <a:spLocks noGrp="1"/>
+          </p:cNvSpPr>
+          <p:nvPr>
+            <p:ph type="title"/>
+          </p:nvPr>
+        </p:nvSpPr>
+        <p:spPr>
+          <a:xfrm>
+            <a:off x="1591734" y="859093"/>
+            <a:ext cx="4820874" cy="734568"/>
+          </a:xfrm>
+        </p:spPr>
+        <p:txBody>
+          <a:bodyPr>
+            <a:normAutofit/>
+          </a:bodyPr>
+          <a:lstStyle/>
+          <a:p>
+            <a:r>
+              <a:rPr lang="uk-UA" sz="3800" u="sng" dirty="0">
+                <a:solidFill>
+                  <a:srgbClr val="286D9F"/>
+                </a:solidFill>
+                <a:effectLst>
+                  <a:outerShdw blurRad="38100" dist="38100" dir="2700000" algn="tl">
+                    <a:srgbClr val="000000">
+                      <a:alpha val="43137"/>
+                    </a:srgbClr>
+                  </a:outerShdw>
+                </a:effectLst>
+              </a:rPr>
+              <a:t>Актуальність</a:t>
+            </a:r>
+            <a:endParaRPr lang="ru-RU" sz="3800" u="sng" dirty="0">
+              <a:solidFill>
+                <a:srgbClr val="286D9F"/>
+              </a:solidFill>
+              <a:effectLst>
+                <a:outerShdw blurRad="38100" dist="38100" dir="2700000" algn="tl">
+                  <a:srgbClr val="000000">
+                    <a:alpha val="43137"/>
+                  </a:srgbClr>
+                </a:outerShdw>
+              </a:effectLst>
+            </a:endParaRPr>
+          </a:p>
+        </p:txBody>
+      </p:sp>
+      <p:sp>
+        <p:nvSpPr>
+          <p:cNvPr id="3" name="Объект 2"/>
+          <p:cNvSpPr>
+            <a:spLocks noGrp="1"/>
+          </p:cNvSpPr>
+          <p:nvPr>
+            <p:ph idx="1"/>
+          </p:nvPr>
+        </p:nvSpPr>
+        <p:spPr>
+          <a:xfrm>
+            <a:off x="1591734" y="2334325"/>
+            <a:ext cx="8596668" cy="3880773"/>
+          </a:xfrm>
+        </p:spPr>
+        <p:txBody>
+          <a:bodyPr>
+            <a:normAutofit/>
+          </a:bodyPr>
+          <a:lstStyle/>
+          <a:p>
+            <a:pPr>
+              <a:buFont typeface="Wingdings" panose="05000000000000000000" pitchFamily="2" charset="2"/>
+              <a:buChar char="Ø"/>
+            </a:pPr>
+            <a:r>
+              <a:rPr lang="uk-UA" sz="2400" dirty="0">
+                <a:solidFill>
+                  <a:schemeClr val="accent1">
+                    <a:lumMod val="75000"/>
+                  </a:schemeClr>
+                </a:solidFill>
+              </a:rPr>
+              <a:t> Авторизація на сайтах</a:t>
+            </a:r>
+          </a:p>
+          <a:p>
+            <a:pPr>
+              <a:buFont typeface="Wingdings" panose="05000000000000000000" pitchFamily="2" charset="2"/>
+              <a:buChar char="Ø"/>
+            </a:pPr>
+            <a:endParaRPr lang="uk-UA" sz="2400" dirty="0">
+              <a:solidFill>
+                <a:schemeClr val="accent1">
+                  <a:lumMod val="75000"/>
+                </a:schemeClr>
+              </a:solidFill>
+            </a:endParaRPr>
+          </a:p>
+          <a:p>
+            <a:pPr>
+              <a:buFont typeface="Wingdings" panose="05000000000000000000" pitchFamily="2" charset="2"/>
+              <a:buChar char="Ø"/>
+            </a:pPr>
+            <a:r>
+              <a:rPr lang="uk-UA" sz="2400" dirty="0">
+                <a:solidFill>
+                  <a:schemeClr val="accent1">
+                    <a:lumMod val="75000"/>
+                  </a:schemeClr>
+                </a:solidFill>
+              </a:rPr>
+              <a:t> Воєнне діло</a:t>
+            </a:r>
+          </a:p>
+          <a:p>
+            <a:pPr>
+              <a:buFont typeface="Wingdings" panose="05000000000000000000" pitchFamily="2" charset="2"/>
+              <a:buChar char="Ø"/>
+            </a:pPr>
+            <a:endParaRPr lang="uk-UA" sz="2400" dirty="0">
+              <a:solidFill>
+                <a:schemeClr val="accent1">
+                  <a:lumMod val="75000"/>
+                </a:schemeClr>
+              </a:solidFill>
+            </a:endParaRPr>
+          </a:p>
+          <a:p>
+            <a:pPr>
+              <a:buFont typeface="Wingdings" panose="05000000000000000000" pitchFamily="2" charset="2"/>
+              <a:buChar char="Ø"/>
+            </a:pPr>
+            <a:r>
+              <a:rPr lang="uk-UA" sz="2400" dirty="0">
+                <a:solidFill>
+                  <a:schemeClr val="accent1">
+                    <a:lumMod val="75000"/>
+                  </a:schemeClr>
+                </a:solidFill>
+              </a:rPr>
+              <a:t> Безпека особистої інформації</a:t>
+            </a:r>
+            <a:endParaRPr lang="en-US" sz="2400" dirty="0">
+              <a:solidFill>
+                <a:schemeClr val="accent1">
+                  <a:lumMod val="75000"/>
+                </a:schemeClr>
+              </a:solidFill>
+            </a:endParaRPr>
+          </a:p>
+          <a:p>
+            <a:pPr>
+              <a:buFont typeface="Wingdings" panose="05000000000000000000" pitchFamily="2" charset="2"/>
+              <a:buChar char="Ø"/>
+            </a:pPr>
+            <a:endParaRPr lang="en-US" sz="2400" dirty="0">
+              <a:solidFill>
+                <a:schemeClr val="accent1">
+                  <a:lumMod val="75000"/>
+                </a:schemeClr>
+              </a:solidFill>
+            </a:endParaRPr>
+          </a:p>
+          <a:p>
+            <a:pPr>
+              <a:buFont typeface="Wingdings" panose="05000000000000000000" pitchFamily="2" charset="2"/>
+              <a:buChar char="Ø"/>
+            </a:pPr>
+            <a:r>
+              <a:rPr lang="uk-UA" sz="2400" dirty="0">
+                <a:solidFill>
+                  <a:schemeClr val="accent1">
+                    <a:lumMod val="75000"/>
+                  </a:schemeClr>
+                </a:solidFill>
+              </a:rPr>
+              <a:t> Відправка файлів великих розмірів</a:t>
+            </a:r>
+            <a:endParaRPr lang="ru-RU" sz="2400" dirty="0">
+              <a:solidFill>
+                <a:schemeClr val="accent1">
+                  <a:lumMod val="75000"/>
+                </a:schemeClr>
+              </a:solidFill>
+            </a:endParaRPr>
+          </a:p>
+        </p:txBody>
+      </p:sp>
+    </p:spTree>
+    <p:extLst>
+      <p:ext uri="{BB962C8B-B14F-4D97-AF65-F5344CB8AC3E}">
+        <p14:creationId xmlns:p14="http://schemas.microsoft.com/office/powerpoint/2010/main" val="2937553529"/>
+      </p:ext>
+    </p:extLst>
+  </p:cSld>
+  <p:clrMapOvr>
+    <a:masterClrMapping/>
+  </p:clrMapOvr>
+  <p:timing>
+    <p:tnLst>
+      <p:par>
+        <p:cTn id="1" dur="indefinite" restart="never" nodeType="tmRoot"/>
+      </p:par>
+    </p:tnLst>
+  </p:timing>
+</p:sld>
+</file>
+
+<file path=ppt/slides/slide3.xml><?xml version="1.0" encoding="utf-8"?>
+<p:sld xmlns:a="http://schemas.openxmlformats.org/drawingml/2006/main" xmlns:r="http://schemas.openxmlformats.org/officeDocument/2006/relationships" xmlns:p="http://schemas.openxmlformats.org/presentationml/2006/main">
+  <p:cSld>
+    <p:spTree>
+      <p:nvGrpSpPr>
+        <p:cNvPr id="1" name=""/>
+        <p:cNvGrpSpPr/>
+        <p:nvPr/>
+      </p:nvGrpSpPr>
+      <p:grpSpPr>
+        <a:xfrm>
+          <a:off x="0" y="0"/>
+          <a:ext cx="0" cy="0"/>
+          <a:chOff x="0" y="0"/>
+          <a:chExt cx="0" cy="0"/>
+        </a:xfrm>
+      </p:grpSpPr>
+      <p:sp>
+        <p:nvSpPr>
+          <p:cNvPr id="2" name="Заголовок 1"/>
+          <p:cNvSpPr>
+            <a:spLocks noGrp="1"/>
+          </p:cNvSpPr>
+          <p:nvPr>
+            <p:ph type="title"/>
+          </p:nvPr>
+        </p:nvSpPr>
+        <p:spPr>
+          <a:xfrm>
+            <a:off x="2084324" y="536448"/>
+            <a:ext cx="8596668" cy="1320800"/>
+          </a:xfrm>
+        </p:spPr>
+        <p:txBody>
+          <a:bodyPr>
+            <a:normAutofit/>
+          </a:bodyPr>
+          <a:lstStyle/>
+          <a:p>
+            <a:pPr algn="just"/>
+            <a:r>
+              <a:rPr lang="uk-UA" sz="3800" u="sng" dirty="0">
+                <a:solidFill>
+                  <a:srgbClr val="286D9F"/>
+                </a:solidFill>
+                <a:effectLst>
+                  <a:outerShdw blurRad="38100" dist="38100" dir="2700000" algn="tl">
+                    <a:srgbClr val="000000">
+                      <a:alpha val="43137"/>
+                    </a:srgbClr>
+                  </a:outerShdw>
+                </a:effectLst>
+              </a:rPr>
+              <a:t>Табличні шифри</a:t>
+            </a:r>
+            <a:endParaRPr lang="ru-RU" sz="3800" u="sng" dirty="0">
+              <a:solidFill>
+                <a:srgbClr val="286D9F"/>
+              </a:solidFill>
+              <a:effectLst>
+                <a:outerShdw blurRad="38100" dist="38100" dir="2700000" algn="tl">
+                  <a:srgbClr val="000000">
+                    <a:alpha val="43137"/>
+                  </a:srgbClr>
+                </a:outerShdw>
+              </a:effectLst>
+            </a:endParaRPr>
+          </a:p>
+        </p:txBody>
+      </p:sp>
+      <p:pic>
+        <p:nvPicPr>
+          <p:cNvPr id="4" name="Picture 2" descr="Картинки по запросу квадрат виженера"/>
+          <p:cNvPicPr>
+            <a:picLocks noGrp="1" noChangeAspect="1" noChangeArrowheads="1"/>
+          </p:cNvPicPr>
+          <p:nvPr>
+            <p:ph idx="1"/>
+          </p:nvPr>
+        </p:nvPicPr>
+        <p:blipFill>
+          <a:blip r:embed="rId2" cstate="print">
+            <a:extLst>
+              <a:ext uri="{28A0092B-C50C-407E-A947-70E740481C1C}">
+                <a14:useLocalDpi xmlns:a14="http://schemas.microsoft.com/office/drawing/2010/main" val="0"/>
+              </a:ext>
+            </a:extLst>
+          </a:blip>
+          <a:srcRect/>
+          <a:stretch>
+            <a:fillRect/>
+          </a:stretch>
+        </p:blipFill>
+        <p:spPr bwMode="auto">
+          <a:xfrm>
+            <a:off x="2084324" y="1621092"/>
+            <a:ext cx="4938268" cy="4938268"/>
+          </a:xfrm>
+          <a:prstGeom prst="rect">
+            <a:avLst/>
+          </a:prstGeom>
+          <a:noFill/>
+          <a:extLst>
+            <a:ext uri="{909E8E84-426E-40DD-AFC4-6F175D3DCCD1}">
+              <a14:hiddenFill xmlns:a14="http://schemas.microsoft.com/office/drawing/2010/main">
+                <a:solidFill>
+                  <a:srgbClr val="FFFFFF"/>
+                </a:solidFill>
+              </a14:hiddenFill>
+            </a:ext>
+          </a:extLst>
+        </p:spPr>
+      </p:pic>
+    </p:spTree>
+    <p:extLst>
+      <p:ext uri="{BB962C8B-B14F-4D97-AF65-F5344CB8AC3E}">
+        <p14:creationId xmlns:p14="http://schemas.microsoft.com/office/powerpoint/2010/main" val="2987290186"/>
+      </p:ext>
+    </p:extLst>
+  </p:cSld>
+  <p:clrMapOvr>
+    <a:masterClrMapping/>
+  </p:clrMapOvr>
+  <p:timing>
+    <p:tnLst>
+      <p:par>
+        <p:cTn id="1" dur="indefinite" restart="never" nodeType="tmRoot"/>
+      </p:par>
+    </p:tnLst>
+  </p:timing>
+</p:sld>
+</file>
+
+<file path=ppt/slides/slide4.xml><?xml version="1.0" encoding="utf-8"?>
+<p:sld xmlns:a="http://schemas.openxmlformats.org/drawingml/2006/main" xmlns:r="http://schemas.openxmlformats.org/officeDocument/2006/relationships" xmlns:p="http://schemas.openxmlformats.org/presentationml/2006/main">
+  <p:cSld>
+    <p:spTree>
+      <p:nvGrpSpPr>
+        <p:cNvPr id="1" name=""/>
+        <p:cNvGrpSpPr/>
+        <p:nvPr/>
+      </p:nvGrpSpPr>
+      <p:grpSpPr>
+        <a:xfrm>
+          <a:off x="0" y="0"/>
+          <a:ext cx="0" cy="0"/>
+          <a:chOff x="0" y="0"/>
+          <a:chExt cx="0" cy="0"/>
+        </a:xfrm>
+      </p:grpSpPr>
+      <p:sp>
+        <p:nvSpPr>
+          <p:cNvPr id="2" name="Заголовок 1"/>
+          <p:cNvSpPr>
+            <a:spLocks noGrp="1"/>
+          </p:cNvSpPr>
+          <p:nvPr>
+            <p:ph type="title"/>
+          </p:nvPr>
+        </p:nvSpPr>
+        <p:spPr>
+          <a:xfrm>
+            <a:off x="1536192" y="481400"/>
+            <a:ext cx="8596668" cy="1320800"/>
+          </a:xfrm>
+        </p:spPr>
+        <p:txBody>
+          <a:bodyPr>
+            <a:normAutofit/>
+          </a:bodyPr>
+          <a:lstStyle/>
+          <a:p>
+            <a:r>
+              <a:rPr lang="uk-UA" sz="3800" u="sng" dirty="0">
+                <a:solidFill>
+                  <a:srgbClr val="286D9F"/>
+                </a:solidFill>
+                <a:effectLst>
+                  <a:outerShdw blurRad="38100" dist="38100" dir="2700000" algn="tl">
+                    <a:srgbClr val="000000">
+                      <a:alpha val="43137"/>
+                    </a:srgbClr>
+                  </a:outerShdw>
+                </a:effectLst>
+              </a:rPr>
+              <a:t>Потокові шифри</a:t>
+            </a:r>
+            <a:endParaRPr lang="ru-RU" sz="3800" u="sng" dirty="0">
+              <a:solidFill>
+                <a:srgbClr val="286D9F"/>
+              </a:solidFill>
+              <a:effectLst>
+                <a:outerShdw blurRad="38100" dist="38100" dir="2700000" algn="tl">
+                  <a:srgbClr val="000000">
+                    <a:alpha val="43137"/>
+                  </a:srgbClr>
+                </a:outerShdw>
+              </a:effectLst>
+            </a:endParaRPr>
+          </a:p>
+        </p:txBody>
+      </p:sp>
+      <p:pic>
+        <p:nvPicPr>
+          <p:cNvPr id="4" name="Объект 3"/>
+          <p:cNvPicPr>
+            <a:picLocks noGrp="1" noChangeAspect="1"/>
+          </p:cNvPicPr>
+          <p:nvPr>
+            <p:ph idx="1"/>
+          </p:nvPr>
+        </p:nvPicPr>
+        <p:blipFill>
+          <a:blip r:embed="rId2" cstate="print">
+            <a:extLst>
+              <a:ext uri="{28A0092B-C50C-407E-A947-70E740481C1C}">
+                <a14:useLocalDpi xmlns:a14="http://schemas.microsoft.com/office/drawing/2010/main" val="0"/>
+              </a:ext>
+            </a:extLst>
+          </a:blip>
+          <a:stretch>
+            <a:fillRect/>
+          </a:stretch>
+        </p:blipFill>
+        <p:spPr>
+          <a:xfrm>
+            <a:off x="1536192" y="1802200"/>
+            <a:ext cx="6753746" cy="4459698"/>
+          </a:xfrm>
+        </p:spPr>
+      </p:pic>
+    </p:spTree>
+    <p:extLst>
+      <p:ext uri="{BB962C8B-B14F-4D97-AF65-F5344CB8AC3E}">
+        <p14:creationId xmlns:p14="http://schemas.microsoft.com/office/powerpoint/2010/main" val="1503142041"/>
+      </p:ext>
+    </p:extLst>
+  </p:cSld>
+  <p:clrMapOvr>
+    <a:masterClrMapping/>
+  </p:clrMapOvr>
+  <p:timing>
+    <p:tnLst>
+      <p:par>
+        <p:cTn id="1" dur="indefinite" restart="never" nodeType="tmRoot"/>
+      </p:par>
+    </p:tnLst>
+  </p:timing>
+</p:sld>
+</file>
+
+<file path=ppt/slides/slide5.xml><?xml version="1.0" encoding="utf-8"?>
+<p:sld xmlns:a="http://schemas.openxmlformats.org/drawingml/2006/main" xmlns:r="http://schemas.openxmlformats.org/officeDocument/2006/relationships" xmlns:p="http://schemas.openxmlformats.org/presentationml/2006/main">
+  <p:cSld>
+    <p:spTree>
+      <p:nvGrpSpPr>
+        <p:cNvPr id="1" name=""/>
+        <p:cNvGrpSpPr/>
+        <p:nvPr/>
+      </p:nvGrpSpPr>
+      <p:grpSpPr>
+        <a:xfrm>
+          <a:off x="0" y="0"/>
+          <a:ext cx="0" cy="0"/>
+          <a:chOff x="0" y="0"/>
+          <a:chExt cx="0" cy="0"/>
+        </a:xfrm>
+      </p:grpSpPr>
+      <p:sp>
+        <p:nvSpPr>
+          <p:cNvPr id="2" name="Заголовок 1"/>
+          <p:cNvSpPr>
+            <a:spLocks noGrp="1"/>
+          </p:cNvSpPr>
+          <p:nvPr>
+            <p:ph type="title"/>
+          </p:nvPr>
+        </p:nvSpPr>
+        <p:spPr>
+          <a:xfrm>
+            <a:off x="220134" y="582168"/>
+            <a:ext cx="3574626" cy="862584"/>
+          </a:xfrm>
+        </p:spPr>
+        <p:txBody>
+          <a:bodyPr>
+            <a:normAutofit/>
+          </a:bodyPr>
+          <a:lstStyle/>
+          <a:p>
+            <a:r>
+              <a:rPr lang="uk-UA" sz="3800" u="sng" dirty="0">
+                <a:solidFill>
+                  <a:srgbClr val="286D9F"/>
+                </a:solidFill>
+                <a:effectLst>
+                  <a:outerShdw blurRad="38100" dist="38100" dir="2700000" algn="tl">
+                    <a:srgbClr val="000000">
+                      <a:alpha val="43137"/>
+                    </a:srgbClr>
+                  </a:outerShdw>
+                </a:effectLst>
+              </a:rPr>
+              <a:t>Блочні шифри</a:t>
+            </a:r>
+            <a:endParaRPr lang="ru-RU" sz="3800" u="sng" dirty="0">
+              <a:solidFill>
+                <a:srgbClr val="286D9F"/>
+              </a:solidFill>
+              <a:effectLst>
+                <a:outerShdw blurRad="38100" dist="38100" dir="2700000" algn="tl">
+                  <a:srgbClr val="000000">
+                    <a:alpha val="43137"/>
+                  </a:srgbClr>
+                </a:outerShdw>
+              </a:effectLst>
+            </a:endParaRPr>
+          </a:p>
+        </p:txBody>
+      </p:sp>
+      <p:pic>
+        <p:nvPicPr>
+          <p:cNvPr id="4" name="Объект 3"/>
+          <p:cNvPicPr>
+            <a:picLocks noGrp="1" noChangeAspect="1"/>
+          </p:cNvPicPr>
+          <p:nvPr>
+            <p:ph idx="1"/>
+          </p:nvPr>
+        </p:nvPicPr>
+        <p:blipFill>
+          <a:blip r:embed="rId2">
+            <a:extLst>
+              <a:ext uri="{28A0092B-C50C-407E-A947-70E740481C1C}">
+                <a14:useLocalDpi xmlns:a14="http://schemas.microsoft.com/office/drawing/2010/main" val="0"/>
+              </a:ext>
+            </a:extLst>
+          </a:blip>
+          <a:stretch>
+            <a:fillRect/>
+          </a:stretch>
+        </p:blipFill>
+        <p:spPr>
+          <a:xfrm>
+            <a:off x="3870873" y="582168"/>
+            <a:ext cx="4285740" cy="5727192"/>
+          </a:xfrm>
+        </p:spPr>
+      </p:pic>
+    </p:spTree>
+    <p:extLst>
+      <p:ext uri="{BB962C8B-B14F-4D97-AF65-F5344CB8AC3E}">
+        <p14:creationId xmlns:p14="http://schemas.microsoft.com/office/powerpoint/2010/main" val="3989171013"/>
+      </p:ext>
+    </p:extLst>
+  </p:cSld>
+  <p:clrMapOvr>
+    <a:masterClrMapping/>
+  </p:clrMapOvr>
+  <p:timing>
+    <p:tnLst>
+      <p:par>
+        <p:cTn id="1" dur="indefinite" restart="never" nodeType="tmRoot"/>
+      </p:par>
+    </p:tnLst>
+  </p:timing>
+</p:sld>
+</file>
+
+<file path=ppt/slides/slide6.xml><?xml version="1.0" encoding="utf-8"?>
+<p:sld xmlns:a="http://schemas.openxmlformats.org/drawingml/2006/main" xmlns:r="http://schemas.openxmlformats.org/officeDocument/2006/relationships" xmlns:p="http://schemas.openxmlformats.org/presentationml/2006/main">
+  <p:cSld>
+    <p:spTree>
+      <p:nvGrpSpPr>
+        <p:cNvPr id="1" name=""/>
+        <p:cNvGrpSpPr/>
+        <p:nvPr/>
+      </p:nvGrpSpPr>
+      <p:grpSpPr>
+        <a:xfrm>
+          <a:off x="0" y="0"/>
+          <a:ext cx="0" cy="0"/>
+          <a:chOff x="0" y="0"/>
+          <a:chExt cx="0" cy="0"/>
+        </a:xfrm>
+      </p:grpSpPr>
+      <p:sp>
+        <p:nvSpPr>
+          <p:cNvPr id="2" name="Заголовок 1"/>
+          <p:cNvSpPr>
+            <a:spLocks noGrp="1"/>
+          </p:cNvSpPr>
+          <p:nvPr>
+            <p:ph type="title"/>
+          </p:nvPr>
+        </p:nvSpPr>
+        <p:spPr>
+          <a:xfrm>
+            <a:off x="1719750" y="554736"/>
+            <a:ext cx="8596668" cy="1320800"/>
+          </a:xfrm>
+        </p:spPr>
+        <p:txBody>
+          <a:bodyPr>
+            <a:normAutofit/>
+          </a:bodyPr>
+          <a:lstStyle/>
+          <a:p>
+            <a:r>
+              <a:rPr lang="uk-UA" sz="3800" u="sng" dirty="0" smtClean="0">
+                <a:solidFill>
+                  <a:srgbClr val="286D9F"/>
+                </a:solidFill>
+                <a:effectLst>
+                  <a:outerShdw blurRad="38100" dist="38100" dir="2700000" algn="tl">
+                    <a:srgbClr val="000000">
+                      <a:alpha val="43137"/>
+                    </a:srgbClr>
+                  </a:outerShdw>
+                </a:effectLst>
+              </a:rPr>
+              <a:t>Розбиття тексту на блоки</a:t>
+            </a:r>
+            <a:endParaRPr lang="ru-RU" sz="3800" u="sng" dirty="0">
+              <a:solidFill>
+                <a:srgbClr val="286D9F"/>
+              </a:solidFill>
+              <a:effectLst>
+                <a:outerShdw blurRad="38100" dist="38100" dir="2700000" algn="tl">
+                  <a:srgbClr val="000000">
+                    <a:alpha val="43137"/>
+                  </a:srgbClr>
+                </a:outerShdw>
+              </a:effectLst>
+            </a:endParaRPr>
+          </a:p>
+        </p:txBody>
+      </p:sp>
+      <p:pic>
+        <p:nvPicPr>
+          <p:cNvPr id="4" name="Объект 3"/>
+          <p:cNvPicPr>
+            <a:picLocks noGrp="1"/>
+          </p:cNvPicPr>
+          <p:nvPr>
+            <p:ph idx="1"/>
+          </p:nvPr>
+        </p:nvPicPr>
+        <p:blipFill>
+          <a:blip r:embed="rId2">
+            <a:extLst>
+              <a:ext uri="{28A0092B-C50C-407E-A947-70E740481C1C}">
+                <a14:useLocalDpi xmlns:a14="http://schemas.microsoft.com/office/drawing/2010/main" val="0"/>
+              </a:ext>
+            </a:extLst>
+          </a:blip>
+          <a:srcRect/>
+          <a:stretch>
+            <a:fillRect/>
+          </a:stretch>
+        </p:blipFill>
+        <p:spPr bwMode="auto">
+          <a:xfrm>
+            <a:off x="1719750" y="2105724"/>
+            <a:ext cx="6349981" cy="4295076"/>
+          </a:xfrm>
+          <a:prstGeom prst="rect">
+            <a:avLst/>
+          </a:prstGeom>
+          <a:noFill/>
+          <a:ln>
+            <a:noFill/>
+          </a:ln>
+        </p:spPr>
+      </p:pic>
+    </p:spTree>
+    <p:extLst>
+      <p:ext uri="{BB962C8B-B14F-4D97-AF65-F5344CB8AC3E}">
+        <p14:creationId xmlns:p14="http://schemas.microsoft.com/office/powerpoint/2010/main" val="3980641279"/>
+      </p:ext>
+    </p:extLst>
+  </p:cSld>
+  <p:clrMapOvr>
+    <a:masterClrMapping/>
+  </p:clrMapOvr>
+  <p:timing>
+    <p:tnLst>
+      <p:par>
+        <p:cTn id="1" dur="indefinite" restart="never" nodeType="tmRoot"/>
+      </p:par>
+    </p:tnLst>
+  </p:timing>
+</p:sld>
+</file>
+
+<file path=ppt/slides/slide7.xml><?xml version="1.0" encoding="utf-8"?>
+<p:sld xmlns:a="http://schemas.openxmlformats.org/drawingml/2006/main" xmlns:r="http://schemas.openxmlformats.org/officeDocument/2006/relationships" xmlns:p="http://schemas.openxmlformats.org/presentationml/2006/main">
+  <p:cSld>
+    <p:spTree>
+      <p:nvGrpSpPr>
+        <p:cNvPr id="1" name=""/>
+        <p:cNvGrpSpPr/>
+        <p:nvPr/>
+      </p:nvGrpSpPr>
+      <p:grpSpPr>
+        <a:xfrm>
+          <a:off x="0" y="0"/>
+          <a:ext cx="0" cy="0"/>
+          <a:chOff x="0" y="0"/>
+          <a:chExt cx="0" cy="0"/>
+        </a:xfrm>
+      </p:grpSpPr>
+      <p:sp>
+        <p:nvSpPr>
+          <p:cNvPr id="2" name="Заголовок 1"/>
+          <p:cNvSpPr>
+            <a:spLocks noGrp="1"/>
+          </p:cNvSpPr>
+          <p:nvPr>
+            <p:ph type="title"/>
+          </p:nvPr>
+        </p:nvSpPr>
+        <p:spPr>
+          <a:xfrm>
+            <a:off x="641232" y="279809"/>
+            <a:ext cx="8596668" cy="1320800"/>
+          </a:xfrm>
+        </p:spPr>
+        <p:txBody>
+          <a:bodyPr>
+            <a:normAutofit/>
+          </a:bodyPr>
+          <a:lstStyle/>
+          <a:p>
+            <a:r>
+              <a:rPr lang="uk-UA" sz="3800" u="sng" dirty="0">
+                <a:solidFill>
+                  <a:srgbClr val="286D9F"/>
+                </a:solidFill>
+                <a:effectLst>
+                  <a:outerShdw blurRad="38100" dist="38100" dir="2700000" algn="tl">
+                    <a:srgbClr val="000000">
+                      <a:alpha val="43137"/>
+                    </a:srgbClr>
+                  </a:outerShdw>
+                </a:effectLst>
+              </a:rPr>
+              <a:t>Шифрування на кожному раунді</a:t>
+            </a:r>
+            <a:endParaRPr lang="ru-RU" sz="3800" u="sng" dirty="0">
+              <a:solidFill>
+                <a:srgbClr val="286D9F"/>
+              </a:solidFill>
+              <a:effectLst>
+                <a:outerShdw blurRad="38100" dist="38100" dir="2700000" algn="tl">
+                  <a:srgbClr val="000000">
+                    <a:alpha val="43137"/>
+                  </a:srgbClr>
+                </a:outerShdw>
+              </a:effectLst>
+            </a:endParaRPr>
+          </a:p>
+        </p:txBody>
+      </p:sp>
+      <p:pic>
+        <p:nvPicPr>
+          <p:cNvPr id="5" name="Рисунок 4"/>
+          <p:cNvPicPr/>
+          <p:nvPr/>
+        </p:nvPicPr>
+        <p:blipFill>
+          <a:blip r:embed="rId2">
+            <a:extLst>
+              <a:ext uri="{28A0092B-C50C-407E-A947-70E740481C1C}">
+                <a14:useLocalDpi xmlns:a14="http://schemas.microsoft.com/office/drawing/2010/main" val="0"/>
+              </a:ext>
+            </a:extLst>
+          </a:blip>
+          <a:srcRect/>
+          <a:stretch>
+            <a:fillRect/>
+          </a:stretch>
+        </p:blipFill>
+        <p:spPr bwMode="auto">
+          <a:xfrm>
+            <a:off x="420624" y="1407972"/>
+            <a:ext cx="4445434" cy="5228960"/>
+          </a:xfrm>
+          <a:prstGeom prst="rect">
+            <a:avLst/>
+          </a:prstGeom>
+          <a:noFill/>
+          <a:ln>
+            <a:noFill/>
+          </a:ln>
+        </p:spPr>
+      </p:pic>
+      <p:sp>
+        <p:nvSpPr>
+          <p:cNvPr id="3" name="Объект 2"/>
+          <p:cNvSpPr>
+            <a:spLocks noGrp="1"/>
+          </p:cNvSpPr>
+          <p:nvPr>
+            <p:ph idx="1"/>
+          </p:nvPr>
+        </p:nvSpPr>
+        <p:spPr>
+          <a:xfrm>
+            <a:off x="0" y="0"/>
+            <a:ext cx="255354" cy="171131"/>
+          </a:xfrm>
+        </p:spPr>
+        <p:txBody>
+          <a:bodyPr>
+            <a:normAutofit fontScale="32500" lnSpcReduction="20000"/>
+          </a:bodyPr>
+          <a:lstStyle/>
+          <a:p>
+            <a:pPr marL="0" indent="0">
+              <a:buNone/>
+            </a:pPr>
+            <a:r>
+              <a:rPr lang="en-US" dirty="0" smtClean="0"/>
+              <a:t> </a:t>
+            </a:r>
+            <a:endParaRPr lang="ru-RU" dirty="0"/>
+          </a:p>
+        </p:txBody>
+      </p:sp>
+      <p:pic>
+        <p:nvPicPr>
+          <p:cNvPr id="6" name="Рисунок 5"/>
+          <p:cNvPicPr/>
+          <p:nvPr/>
+        </p:nvPicPr>
+        <p:blipFill>
+          <a:blip r:embed="rId3">
+            <a:extLst>
+              <a:ext uri="{28A0092B-C50C-407E-A947-70E740481C1C}">
+                <a14:useLocalDpi xmlns:a14="http://schemas.microsoft.com/office/drawing/2010/main" val="0"/>
+              </a:ext>
+            </a:extLst>
+          </a:blip>
+          <a:srcRect/>
+          <a:stretch>
+            <a:fillRect/>
+          </a:stretch>
+        </p:blipFill>
+        <p:spPr bwMode="auto">
+          <a:xfrm>
+            <a:off x="5122768" y="1675765"/>
+            <a:ext cx="4638675" cy="2752725"/>
+          </a:xfrm>
+          <a:prstGeom prst="rect">
+            <a:avLst/>
+          </a:prstGeom>
+          <a:noFill/>
+          <a:ln>
+            <a:noFill/>
+          </a:ln>
+        </p:spPr>
+      </p:pic>
+      <p:sp>
+        <p:nvSpPr>
+          <p:cNvPr id="7" name="TextBox 6"/>
+          <p:cNvSpPr txBox="1"/>
+          <p:nvPr/>
+        </p:nvSpPr>
+        <p:spPr>
+          <a:xfrm>
+            <a:off x="6597186" y="1765808"/>
+            <a:ext cx="3364992" cy="646331"/>
+          </a:xfrm>
+          <a:prstGeom prst="rect">
+            <a:avLst/>
+          </a:prstGeom>
+          <a:noFill/>
+        </p:spPr>
+        <p:txBody>
+          <a:bodyPr wrap="square" rtlCol="0">
+            <a:spAutoFit/>
+          </a:bodyPr>
+          <a:lstStyle/>
+          <a:p>
+            <a:r>
+              <a:rPr lang="uk-UA" dirty="0" smtClean="0">
+                <a:solidFill>
+                  <a:schemeClr val="accent1">
+                    <a:lumMod val="75000"/>
+                  </a:schemeClr>
+                </a:solidFill>
+              </a:rPr>
+              <a:t>Блок даних, розміром </a:t>
+            </a:r>
+            <a:r>
+              <a:rPr lang="en-US" dirty="0" smtClean="0">
+                <a:solidFill>
+                  <a:schemeClr val="accent1">
+                    <a:lumMod val="75000"/>
+                  </a:schemeClr>
+                </a:solidFill>
+              </a:rPr>
+              <a:t>n</a:t>
+            </a:r>
+            <a:r>
+              <a:rPr lang="uk-UA" dirty="0" smtClean="0">
+                <a:solidFill>
+                  <a:schemeClr val="accent1">
+                    <a:lumMod val="75000"/>
+                  </a:schemeClr>
+                </a:solidFill>
+              </a:rPr>
+              <a:t> символів</a:t>
+            </a:r>
+            <a:endParaRPr lang="ru-RU" dirty="0">
+              <a:solidFill>
+                <a:schemeClr val="accent1">
+                  <a:lumMod val="75000"/>
+                </a:schemeClr>
+              </a:solidFill>
+            </a:endParaRPr>
+          </a:p>
+        </p:txBody>
+      </p:sp>
+      <p:sp>
+        <p:nvSpPr>
+          <p:cNvPr id="8" name="TextBox 7"/>
+          <p:cNvSpPr txBox="1"/>
+          <p:nvPr/>
+        </p:nvSpPr>
+        <p:spPr>
+          <a:xfrm>
+            <a:off x="5238133" y="4518533"/>
+            <a:ext cx="4407944" cy="1200329"/>
+          </a:xfrm>
+          <a:prstGeom prst="rect">
+            <a:avLst/>
+          </a:prstGeom>
+          <a:noFill/>
+        </p:spPr>
+        <p:txBody>
+          <a:bodyPr wrap="square" rtlCol="0">
+            <a:spAutoFit/>
+          </a:bodyPr>
+          <a:lstStyle/>
+          <a:p>
+            <a:r>
+              <a:rPr lang="uk-UA" dirty="0" smtClean="0">
+                <a:solidFill>
+                  <a:schemeClr val="accent1">
+                    <a:lumMod val="75000"/>
+                  </a:schemeClr>
+                </a:solidFill>
+              </a:rPr>
+              <a:t>Шифрування блок_1 шифром </a:t>
+            </a:r>
+            <a:r>
+              <a:rPr lang="uk-UA" dirty="0" err="1" smtClean="0">
+                <a:solidFill>
+                  <a:schemeClr val="accent1">
+                    <a:lumMod val="75000"/>
+                  </a:schemeClr>
+                </a:solidFill>
+              </a:rPr>
+              <a:t>Віженера</a:t>
+            </a:r>
+            <a:r>
+              <a:rPr lang="uk-UA" dirty="0" smtClean="0">
+                <a:solidFill>
+                  <a:schemeClr val="accent1">
+                    <a:lumMod val="75000"/>
+                  </a:schemeClr>
+                </a:solidFill>
+              </a:rPr>
+              <a:t> за допомогою блок_2, як вектор ініціалізації, де відповідь записується в блок_1 та блок_3.</a:t>
+            </a:r>
+            <a:endParaRPr lang="ru-RU" dirty="0">
+              <a:solidFill>
+                <a:schemeClr val="accent1">
+                  <a:lumMod val="75000"/>
+                </a:schemeClr>
+              </a:solidFill>
+            </a:endParaRPr>
+          </a:p>
+        </p:txBody>
+      </p:sp>
+    </p:spTree>
+    <p:extLst>
+      <p:ext uri="{BB962C8B-B14F-4D97-AF65-F5344CB8AC3E}">
+        <p14:creationId xmlns:p14="http://schemas.microsoft.com/office/powerpoint/2010/main" val="2768293450"/>
+      </p:ext>
+    </p:extLst>
+  </p:cSld>
+  <p:clrMapOvr>
+    <a:masterClrMapping/>
+  </p:clrMapOvr>
+  <p:timing>
+    <p:tnLst>
+      <p:par>
+        <p:cTn id="1" dur="indefinite" restart="never" nodeType="tmRoot"/>
+      </p:par>
+    </p:tnLst>
+  </p:timing>
+</p:sld>
+</file>
+
+<file path=ppt/slides/slide8.xml><?xml version="1.0" encoding="utf-8"?>
+<p:sld xmlns:a="http://schemas.openxmlformats.org/drawingml/2006/main" xmlns:r="http://schemas.openxmlformats.org/officeDocument/2006/relationships" xmlns:p="http://schemas.openxmlformats.org/presentationml/2006/main">
+  <p:cSld>
+    <p:spTree>
+      <p:nvGrpSpPr>
+        <p:cNvPr id="1" name=""/>
+        <p:cNvGrpSpPr/>
+        <p:nvPr/>
+      </p:nvGrpSpPr>
+      <p:grpSpPr>
+        <a:xfrm>
+          <a:off x="0" y="0"/>
+          <a:ext cx="0" cy="0"/>
+          <a:chOff x="0" y="0"/>
+          <a:chExt cx="0" cy="0"/>
+        </a:xfrm>
+      </p:grpSpPr>
+      <p:sp>
+        <p:nvSpPr>
+          <p:cNvPr id="2" name="Заголовок 1"/>
+          <p:cNvSpPr>
+            <a:spLocks noGrp="1"/>
+          </p:cNvSpPr>
+          <p:nvPr>
+            <p:ph type="title"/>
+          </p:nvPr>
+        </p:nvSpPr>
+        <p:spPr/>
+        <p:txBody>
+          <a:bodyPr>
+            <a:normAutofit/>
+          </a:bodyPr>
+          <a:lstStyle/>
+          <a:p>
+            <a:r>
+              <a:rPr lang="uk-UA" sz="3800" u="sng" dirty="0">
+                <a:solidFill>
+                  <a:srgbClr val="286D9F"/>
+                </a:solidFill>
+                <a:effectLst>
+                  <a:outerShdw blurRad="38100" dist="38100" dir="2700000" algn="tl">
+                    <a:srgbClr val="000000">
+                      <a:alpha val="43137"/>
+                    </a:srgbClr>
+                  </a:outerShdw>
+                </a:effectLst>
+              </a:rPr>
+              <a:t>Кількість раундів</a:t>
+            </a:r>
+            <a:endParaRPr lang="ru-RU" sz="3800" u="sng" dirty="0">
+              <a:solidFill>
+                <a:srgbClr val="286D9F"/>
+              </a:solidFill>
+              <a:effectLst>
+                <a:outerShdw blurRad="38100" dist="38100" dir="2700000" algn="tl">
+                  <a:srgbClr val="000000">
+                    <a:alpha val="43137"/>
+                  </a:srgbClr>
+                </a:outerShdw>
+              </a:effectLst>
+            </a:endParaRPr>
+          </a:p>
+        </p:txBody>
+      </p:sp>
+      <p:sp>
+        <p:nvSpPr>
+          <p:cNvPr id="3" name="Объект 2"/>
+          <p:cNvSpPr>
+            <a:spLocks noGrp="1"/>
+          </p:cNvSpPr>
+          <p:nvPr>
+            <p:ph idx="1"/>
+          </p:nvPr>
+        </p:nvSpPr>
+        <p:spPr/>
+        <p:txBody>
+          <a:bodyPr>
+            <a:normAutofit/>
+          </a:bodyPr>
+          <a:lstStyle/>
+          <a:p>
+            <a:pPr>
+              <a:buFont typeface="Wingdings" panose="05000000000000000000" pitchFamily="2" charset="2"/>
+              <a:buChar char="Ø"/>
+            </a:pPr>
+            <a:r>
+              <a:rPr lang="uk-UA" sz="2400" dirty="0">
+                <a:solidFill>
+                  <a:schemeClr val="accent1">
+                    <a:lumMod val="75000"/>
+                  </a:schemeClr>
+                </a:solidFill>
+              </a:rPr>
+              <a:t>Чим більша кількість раундів, тим довше працює шифр, тим краще </a:t>
+            </a:r>
+            <a:r>
+              <a:rPr lang="uk-UA" sz="2400" dirty="0" smtClean="0">
+                <a:solidFill>
+                  <a:schemeClr val="accent1">
+                    <a:lumMod val="75000"/>
+                  </a:schemeClr>
+                </a:solidFill>
+              </a:rPr>
+              <a:t>шифруються </a:t>
+            </a:r>
+            <a:r>
+              <a:rPr lang="uk-UA" sz="2400" dirty="0">
+                <a:solidFill>
+                  <a:schemeClr val="accent1">
+                    <a:lumMod val="75000"/>
+                  </a:schemeClr>
+                </a:solidFill>
+              </a:rPr>
+              <a:t>дані</a:t>
+            </a:r>
+            <a:r>
+              <a:rPr lang="uk-UA" sz="2400" dirty="0" smtClean="0">
+                <a:solidFill>
+                  <a:schemeClr val="accent1">
+                    <a:lumMod val="75000"/>
+                  </a:schemeClr>
+                </a:solidFill>
+              </a:rPr>
+              <a:t>.</a:t>
+            </a:r>
+          </a:p>
+          <a:p>
+            <a:pPr>
+              <a:buFont typeface="Wingdings" panose="05000000000000000000" pitchFamily="2" charset="2"/>
+              <a:buChar char="Ø"/>
+            </a:pPr>
+            <a:endParaRPr lang="uk-UA" sz="2400" dirty="0">
+              <a:solidFill>
+                <a:schemeClr val="accent1">
+                  <a:lumMod val="75000"/>
+                </a:schemeClr>
+              </a:solidFill>
+            </a:endParaRPr>
+          </a:p>
+          <a:p>
+            <a:pPr>
+              <a:buFont typeface="Wingdings" panose="05000000000000000000" pitchFamily="2" charset="2"/>
+              <a:buChar char="Ø"/>
+            </a:pPr>
+            <a:endParaRPr lang="uk-UA" sz="2400" dirty="0">
+              <a:solidFill>
+                <a:schemeClr val="accent1">
+                  <a:lumMod val="75000"/>
+                </a:schemeClr>
+              </a:solidFill>
+            </a:endParaRPr>
+          </a:p>
+          <a:p>
+            <a:pPr>
+              <a:buFont typeface="Wingdings" panose="05000000000000000000" pitchFamily="2" charset="2"/>
+              <a:buChar char="Ø"/>
+            </a:pPr>
+            <a:r>
+              <a:rPr lang="uk-UA" sz="2400" dirty="0">
+                <a:solidFill>
+                  <a:schemeClr val="accent1">
+                    <a:lumMod val="75000"/>
+                  </a:schemeClr>
+                </a:solidFill>
+              </a:rPr>
+              <a:t>Чим менша кількість раундів, тим швидше працює шифр, тим гірше шифруються дані.</a:t>
+            </a:r>
+            <a:endParaRPr lang="ru-RU" sz="2400" dirty="0">
+              <a:solidFill>
+                <a:schemeClr val="accent1">
+                  <a:lumMod val="75000"/>
+                </a:schemeClr>
+              </a:solidFill>
+            </a:endParaRPr>
+          </a:p>
+          <a:p>
+            <a:pPr>
+              <a:buFont typeface="Wingdings" panose="05000000000000000000" pitchFamily="2" charset="2"/>
+              <a:buChar char="Ø"/>
+            </a:pPr>
+            <a:endParaRPr lang="ru-RU" sz="2400" dirty="0">
+              <a:solidFill>
+                <a:schemeClr val="accent1">
+                  <a:lumMod val="75000"/>
+                </a:schemeClr>
+              </a:solidFill>
+            </a:endParaRPr>
+          </a:p>
+        </p:txBody>
+      </p:sp>
+    </p:spTree>
+    <p:extLst>
+      <p:ext uri="{BB962C8B-B14F-4D97-AF65-F5344CB8AC3E}">
+        <p14:creationId xmlns:p14="http://schemas.microsoft.com/office/powerpoint/2010/main" val="3681175137"/>
+      </p:ext>
+    </p:extLst>
+  </p:cSld>
+  <p:clrMapOvr>
+    <a:masterClrMapping/>
+  </p:clrMapOvr>
+  <p:timing>
+    <p:tnLst>
+      <p:par>
+        <p:cTn id="1" dur="indefinite" restart="never" nodeType="tmRoot"/>
+      </p:par>
+    </p:tnLst>
+  </p:timing>
+</p:sld>
+</file>
+
+<file path=ppt/slides/slide9.xml><?xml version="1.0" encoding="utf-8"?>
+<p:sld xmlns:a="http://schemas.openxmlformats.org/drawingml/2006/main" xmlns:r="http://schemas.openxmlformats.org/officeDocument/2006/relationships" xmlns:p="http://schemas.openxmlformats.org/presentationml/2006/main">
+  <p:cSld>
+    <p:spTree>
+      <p:nvGrpSpPr>
+        <p:cNvPr id="1" name=""/>
+        <p:cNvGrpSpPr/>
+        <p:nvPr/>
+      </p:nvGrpSpPr>
+      <p:grpSpPr>
+        <a:xfrm>
+          <a:off x="0" y="0"/>
+          <a:ext cx="0" cy="0"/>
+          <a:chOff x="0" y="0"/>
+          <a:chExt cx="0" cy="0"/>
+        </a:xfrm>
+      </p:grpSpPr>
+      <p:sp>
+        <p:nvSpPr>
+          <p:cNvPr id="2" name="Заголовок 1"/>
+          <p:cNvSpPr>
+            <a:spLocks noGrp="1"/>
+          </p:cNvSpPr>
+          <p:nvPr>
+            <p:ph type="title"/>
+          </p:nvPr>
+        </p:nvSpPr>
+        <p:spPr>
+          <a:xfrm>
+            <a:off x="440119" y="563880"/>
+            <a:ext cx="8596668" cy="1320800"/>
+          </a:xfrm>
+        </p:spPr>
+        <p:txBody>
+          <a:bodyPr>
+            <a:normAutofit/>
+          </a:bodyPr>
+          <a:lstStyle/>
+          <a:p>
+            <a:r>
+              <a:rPr lang="uk-UA" sz="3800" u="sng" dirty="0">
+                <a:solidFill>
+                  <a:srgbClr val="286D9F"/>
+                </a:solidFill>
+                <a:effectLst>
+                  <a:outerShdw blurRad="38100" dist="38100" dir="2700000" algn="tl">
+                    <a:srgbClr val="000000">
+                      <a:alpha val="43137"/>
+                    </a:srgbClr>
+                  </a:outerShdw>
+                </a:effectLst>
+              </a:rPr>
+              <a:t>Порівняння шифрів</a:t>
+            </a:r>
+            <a:endParaRPr lang="ru-RU" sz="3800" u="sng" dirty="0">
+              <a:solidFill>
+                <a:srgbClr val="286D9F"/>
+              </a:solidFill>
+              <a:effectLst>
+                <a:outerShdw blurRad="38100" dist="38100" dir="2700000" algn="tl">
+                  <a:srgbClr val="000000">
+                    <a:alpha val="43137"/>
+                  </a:srgbClr>
+                </a:outerShdw>
+              </a:effectLst>
+            </a:endParaRPr>
+          </a:p>
+        </p:txBody>
+      </p:sp>
+      <mc:AlternateContent xmlns:mc="http://schemas.openxmlformats.org/markup-compatibility/2006" xmlns:a14="http://schemas.microsoft.com/office/drawing/2010/main">
+        <mc:Choice Requires="a14">
           <p:graphicFrame>
             <p:nvGraphicFramePr>
               <p:cNvPr id="4" name="Объект 3"/>
@@ -6596,7 +9249,7 @@
             </a:graphic>
           </p:graphicFrame>
         </mc:Choice>
-        <mc:Fallback>
+        <mc:Fallback xmlns="">
           <p:graphicFrame>
             <p:nvGraphicFramePr>
               <p:cNvPr id="4" name="Объект 3"/>
@@ -7060,2561 +9713,6 @@
 </p:sld>
 </file>
 
-<file path=ppt/slides/slide11.xml><?xml version="1.0" encoding="utf-8"?>
-<p:sld xmlns:a="http://schemas.openxmlformats.org/drawingml/2006/main" xmlns:r="http://schemas.openxmlformats.org/officeDocument/2006/relationships" xmlns:p="http://schemas.openxmlformats.org/presentationml/2006/main">
-  <p:cSld>
-    <p:spTree>
-      <p:nvGrpSpPr>
-        <p:cNvPr id="1" name=""/>
-        <p:cNvGrpSpPr/>
-        <p:nvPr/>
-      </p:nvGrpSpPr>
-      <p:grpSpPr>
-        <a:xfrm>
-          <a:off x="0" y="0"/>
-          <a:ext cx="0" cy="0"/>
-          <a:chOff x="0" y="0"/>
-          <a:chExt cx="0" cy="0"/>
-        </a:xfrm>
-      </p:grpSpPr>
-      <p:sp>
-        <p:nvSpPr>
-          <p:cNvPr id="2" name="Заголовок 1"/>
-          <p:cNvSpPr>
-            <a:spLocks noGrp="1"/>
-          </p:cNvSpPr>
-          <p:nvPr>
-            <p:ph type="title"/>
-          </p:nvPr>
-        </p:nvSpPr>
-        <p:spPr>
-          <a:xfrm>
-            <a:off x="1306285" y="618744"/>
-            <a:ext cx="8596668" cy="1320800"/>
-          </a:xfrm>
-        </p:spPr>
-        <p:txBody>
-          <a:bodyPr>
-            <a:normAutofit/>
-          </a:bodyPr>
-          <a:lstStyle/>
-          <a:p>
-            <a:r>
-              <a:rPr lang="uk-UA" sz="3800" u="sng" dirty="0">
-                <a:solidFill>
-                  <a:srgbClr val="286D9F"/>
-                </a:solidFill>
-                <a:effectLst>
-                  <a:outerShdw blurRad="38100" dist="38100" dir="2700000" algn="tl">
-                    <a:srgbClr val="000000">
-                      <a:alpha val="43137"/>
-                    </a:srgbClr>
-                  </a:outerShdw>
-                </a:effectLst>
-              </a:rPr>
-              <a:t>Час роботи шифру </a:t>
-            </a:r>
-            <a:r>
-              <a:rPr lang="uk-UA" sz="3800" u="sng" dirty="0" err="1">
-                <a:solidFill>
-                  <a:srgbClr val="286D9F"/>
-                </a:solidFill>
-                <a:effectLst>
-                  <a:outerShdw blurRad="38100" dist="38100" dir="2700000" algn="tl">
-                    <a:srgbClr val="000000">
-                      <a:alpha val="43137"/>
-                    </a:srgbClr>
-                  </a:outerShdw>
-                </a:effectLst>
-              </a:rPr>
-              <a:t>Віженера</a:t>
-            </a:r>
-            <a:endParaRPr lang="ru-RU" sz="3800" u="sng" dirty="0">
-              <a:solidFill>
-                <a:srgbClr val="286D9F"/>
-              </a:solidFill>
-              <a:effectLst>
-                <a:outerShdw blurRad="38100" dist="38100" dir="2700000" algn="tl">
-                  <a:srgbClr val="000000">
-                    <a:alpha val="43137"/>
-                  </a:srgbClr>
-                </a:outerShdw>
-              </a:effectLst>
-            </a:endParaRPr>
-          </a:p>
-        </p:txBody>
-      </p:sp>
-      <p:graphicFrame>
-        <p:nvGraphicFramePr>
-          <p:cNvPr id="10" name="Таблица 9"/>
-          <p:cNvGraphicFramePr>
-            <a:graphicFrameLocks noGrp="1"/>
-          </p:cNvGraphicFramePr>
-          <p:nvPr>
-            <p:extLst>
-              <p:ext uri="{D42A27DB-BD31-4B8C-83A1-F6EECF244321}">
-                <p14:modId xmlns:p14="http://schemas.microsoft.com/office/powerpoint/2010/main" val="1601984292"/>
-              </p:ext>
-            </p:extLst>
-          </p:nvPr>
-        </p:nvGraphicFramePr>
-        <p:xfrm>
-          <a:off x="328507" y="2203704"/>
-          <a:ext cx="9336702" cy="2734055"/>
-        </p:xfrm>
-        <a:graphic>
-          <a:graphicData uri="http://schemas.openxmlformats.org/drawingml/2006/table">
-            <a:tbl>
-              <a:tblPr firstRow="1" bandRow="1">
-                <a:tableStyleId>{5C22544A-7EE6-4342-B048-85BDC9FD1C3A}</a:tableStyleId>
-              </a:tblPr>
-              <a:tblGrid>
-                <a:gridCol w="3112234"/>
-                <a:gridCol w="3112234"/>
-                <a:gridCol w="3112234"/>
-              </a:tblGrid>
-              <a:tr h="947015">
-                <a:tc>
-                  <a:txBody>
-                    <a:bodyPr/>
-                    <a:lstStyle/>
-                    <a:p>
-                      <a:r>
-                        <a:rPr lang="uk-UA" dirty="0" smtClean="0"/>
-                        <a:t>Довжина рядку</a:t>
-                      </a:r>
-                      <a:endParaRPr lang="ru-RU" dirty="0"/>
-                    </a:p>
-                  </a:txBody>
-                  <a:tcPr/>
-                </a:tc>
-                <a:tc>
-                  <a:txBody>
-                    <a:bodyPr/>
-                    <a:lstStyle/>
-                    <a:p>
-                      <a:r>
-                        <a:rPr lang="uk-UA" dirty="0" smtClean="0"/>
-                        <a:t>Кількість запусків програми</a:t>
-                      </a:r>
-                      <a:endParaRPr lang="ru-RU" dirty="0"/>
-                    </a:p>
-                  </a:txBody>
-                  <a:tcPr/>
-                </a:tc>
-                <a:tc>
-                  <a:txBody>
-                    <a:bodyPr/>
-                    <a:lstStyle/>
-                    <a:p>
-                      <a:r>
-                        <a:rPr lang="uk-UA" dirty="0" smtClean="0"/>
-                        <a:t>Час роботи програми в секундах</a:t>
-                      </a:r>
-                      <a:endParaRPr lang="ru-RU" dirty="0"/>
-                    </a:p>
-                  </a:txBody>
-                  <a:tcPr/>
-                </a:tc>
-              </a:tr>
-              <a:tr h="595680">
-                <a:tc>
-                  <a:txBody>
-                    <a:bodyPr/>
-                    <a:lstStyle/>
-                    <a:p>
-                      <a:r>
-                        <a:rPr lang="uk-UA" dirty="0" smtClean="0"/>
-                        <a:t>10000 символів</a:t>
-                      </a:r>
-                      <a:endParaRPr lang="ru-RU" dirty="0"/>
-                    </a:p>
-                  </a:txBody>
-                  <a:tcPr/>
-                </a:tc>
-                <a:tc>
-                  <a:txBody>
-                    <a:bodyPr/>
-                    <a:lstStyle/>
-                    <a:p>
-                      <a:r>
-                        <a:rPr lang="uk-UA" dirty="0" smtClean="0"/>
-                        <a:t>5000 разів</a:t>
-                      </a:r>
-                      <a:endParaRPr lang="ru-RU" dirty="0"/>
-                    </a:p>
-                  </a:txBody>
-                  <a:tcPr/>
-                </a:tc>
-                <a:tc>
-                  <a:txBody>
-                    <a:bodyPr/>
-                    <a:lstStyle/>
-                    <a:p>
-                      <a:r>
-                        <a:rPr lang="uk-UA" dirty="0" smtClean="0"/>
-                        <a:t>0,01547 секунди</a:t>
-                      </a:r>
-                      <a:endParaRPr lang="ru-RU" dirty="0"/>
-                    </a:p>
-                  </a:txBody>
-                  <a:tcPr/>
-                </a:tc>
-              </a:tr>
-              <a:tr h="595680">
-                <a:tc>
-                  <a:txBody>
-                    <a:bodyPr/>
-                    <a:lstStyle/>
-                    <a:p>
-                      <a:r>
-                        <a:rPr lang="uk-UA" dirty="0" smtClean="0"/>
-                        <a:t>100000 символів</a:t>
-                      </a:r>
-                      <a:endParaRPr lang="ru-RU" dirty="0"/>
-                    </a:p>
-                  </a:txBody>
-                  <a:tcPr/>
-                </a:tc>
-                <a:tc>
-                  <a:txBody>
-                    <a:bodyPr/>
-                    <a:lstStyle/>
-                    <a:p>
-                      <a:r>
-                        <a:rPr lang="uk-UA" dirty="0" smtClean="0"/>
-                        <a:t>500 разів</a:t>
-                      </a:r>
-                      <a:endParaRPr lang="ru-RU" dirty="0"/>
-                    </a:p>
-                  </a:txBody>
-                  <a:tcPr/>
-                </a:tc>
-                <a:tc>
-                  <a:txBody>
-                    <a:bodyPr/>
-                    <a:lstStyle/>
-                    <a:p>
-                      <a:r>
-                        <a:rPr lang="uk-UA" dirty="0" smtClean="0"/>
-                        <a:t>0,158 секунди</a:t>
-                      </a:r>
-                      <a:endParaRPr lang="ru-RU" dirty="0"/>
-                    </a:p>
-                  </a:txBody>
-                  <a:tcPr/>
-                </a:tc>
-              </a:tr>
-              <a:tr h="595680">
-                <a:tc>
-                  <a:txBody>
-                    <a:bodyPr/>
-                    <a:lstStyle/>
-                    <a:p>
-                      <a:r>
-                        <a:rPr lang="uk-UA" dirty="0" smtClean="0"/>
-                        <a:t>1000000 символів</a:t>
-                      </a:r>
-                      <a:endParaRPr lang="ru-RU" dirty="0"/>
-                    </a:p>
-                  </a:txBody>
-                  <a:tcPr/>
-                </a:tc>
-                <a:tc>
-                  <a:txBody>
-                    <a:bodyPr/>
-                    <a:lstStyle/>
-                    <a:p>
-                      <a:r>
-                        <a:rPr lang="uk-UA" dirty="0" smtClean="0"/>
-                        <a:t>50 разів</a:t>
-                      </a:r>
-                      <a:endParaRPr lang="ru-RU" dirty="0"/>
-                    </a:p>
-                  </a:txBody>
-                  <a:tcPr/>
-                </a:tc>
-                <a:tc>
-                  <a:txBody>
-                    <a:bodyPr/>
-                    <a:lstStyle/>
-                    <a:p>
-                      <a:r>
-                        <a:rPr lang="uk-UA" dirty="0" smtClean="0"/>
-                        <a:t>1,751 секунди</a:t>
-                      </a:r>
-                      <a:endParaRPr lang="ru-RU" dirty="0"/>
-                    </a:p>
-                  </a:txBody>
-                  <a:tcPr/>
-                </a:tc>
-              </a:tr>
-            </a:tbl>
-          </a:graphicData>
-        </a:graphic>
-      </p:graphicFrame>
-      <p:sp>
-        <p:nvSpPr>
-          <p:cNvPr id="11" name="Объект 10"/>
-          <p:cNvSpPr>
-            <a:spLocks noGrp="1"/>
-          </p:cNvSpPr>
-          <p:nvPr>
-            <p:ph idx="1"/>
-          </p:nvPr>
-        </p:nvSpPr>
-        <p:spPr>
-          <a:xfrm>
-            <a:off x="0" y="0"/>
-            <a:ext cx="328506" cy="189419"/>
-          </a:xfrm>
-        </p:spPr>
-        <p:txBody>
-          <a:bodyPr>
-            <a:normAutofit fontScale="40000" lnSpcReduction="20000"/>
-          </a:bodyPr>
-          <a:lstStyle/>
-          <a:p>
-            <a:pPr marL="0" indent="0">
-              <a:buNone/>
-            </a:pPr>
-            <a:r>
-              <a:rPr lang="uk-UA" dirty="0" smtClean="0"/>
-              <a:t> </a:t>
-            </a:r>
-            <a:endParaRPr lang="ru-RU" dirty="0"/>
-          </a:p>
-        </p:txBody>
-      </p:sp>
-    </p:spTree>
-    <p:extLst>
-      <p:ext uri="{BB962C8B-B14F-4D97-AF65-F5344CB8AC3E}">
-        <p14:creationId xmlns:p14="http://schemas.microsoft.com/office/powerpoint/2010/main" val="1130385027"/>
-      </p:ext>
-    </p:extLst>
-  </p:cSld>
-  <p:clrMapOvr>
-    <a:masterClrMapping/>
-  </p:clrMapOvr>
-  <p:timing>
-    <p:tnLst>
-      <p:par>
-        <p:cTn id="1" dur="indefinite" restart="never" nodeType="tmRoot"/>
-      </p:par>
-    </p:tnLst>
-  </p:timing>
-</p:sld>
-</file>
-
-<file path=ppt/slides/slide12.xml><?xml version="1.0" encoding="utf-8"?>
-<p:sld xmlns:a="http://schemas.openxmlformats.org/drawingml/2006/main" xmlns:r="http://schemas.openxmlformats.org/officeDocument/2006/relationships" xmlns:p="http://schemas.openxmlformats.org/presentationml/2006/main">
-  <p:cSld>
-    <p:spTree>
-      <p:nvGrpSpPr>
-        <p:cNvPr id="1" name=""/>
-        <p:cNvGrpSpPr/>
-        <p:nvPr/>
-      </p:nvGrpSpPr>
-      <p:grpSpPr>
-        <a:xfrm>
-          <a:off x="0" y="0"/>
-          <a:ext cx="0" cy="0"/>
-          <a:chOff x="0" y="0"/>
-          <a:chExt cx="0" cy="0"/>
-        </a:xfrm>
-      </p:grpSpPr>
-      <p:sp>
-        <p:nvSpPr>
-          <p:cNvPr id="2" name="Заголовок 1"/>
-          <p:cNvSpPr>
-            <a:spLocks noGrp="1"/>
-          </p:cNvSpPr>
-          <p:nvPr>
-            <p:ph type="title"/>
-          </p:nvPr>
-        </p:nvSpPr>
-        <p:spPr/>
-        <p:txBody>
-          <a:bodyPr>
-            <a:normAutofit/>
-          </a:bodyPr>
-          <a:lstStyle/>
-          <a:p>
-            <a:r>
-              <a:rPr lang="uk-UA" sz="3800" u="sng" dirty="0">
-                <a:solidFill>
-                  <a:srgbClr val="286D9F"/>
-                </a:solidFill>
-                <a:effectLst>
-                  <a:outerShdw blurRad="38100" dist="38100" dir="2700000" algn="tl">
-                    <a:srgbClr val="000000">
-                      <a:alpha val="43137"/>
-                    </a:srgbClr>
-                  </a:outerShdw>
-                </a:effectLst>
-              </a:rPr>
-              <a:t>Час роботи розробленого шифру</a:t>
-            </a:r>
-            <a:endParaRPr lang="ru-RU" sz="3800" u="sng" dirty="0">
-              <a:solidFill>
-                <a:srgbClr val="286D9F"/>
-              </a:solidFill>
-              <a:effectLst>
-                <a:outerShdw blurRad="38100" dist="38100" dir="2700000" algn="tl">
-                  <a:srgbClr val="000000">
-                    <a:alpha val="43137"/>
-                  </a:srgbClr>
-                </a:outerShdw>
-              </a:effectLst>
-            </a:endParaRPr>
-          </a:p>
-        </p:txBody>
-      </p:sp>
-      <p:graphicFrame>
-        <p:nvGraphicFramePr>
-          <p:cNvPr id="5" name="Таблица 4"/>
-          <p:cNvGraphicFramePr>
-            <a:graphicFrameLocks noGrp="1"/>
-          </p:cNvGraphicFramePr>
-          <p:nvPr>
-            <p:extLst>
-              <p:ext uri="{D42A27DB-BD31-4B8C-83A1-F6EECF244321}">
-                <p14:modId xmlns:p14="http://schemas.microsoft.com/office/powerpoint/2010/main" val="2763406412"/>
-              </p:ext>
-            </p:extLst>
-          </p:nvPr>
-        </p:nvGraphicFramePr>
-        <p:xfrm>
-          <a:off x="246887" y="2011680"/>
-          <a:ext cx="9381746" cy="3273550"/>
-        </p:xfrm>
-        <a:graphic>
-          <a:graphicData uri="http://schemas.openxmlformats.org/drawingml/2006/table">
-            <a:tbl>
-              <a:tblPr firstRow="1" bandRow="1">
-                <a:tableStyleId>{5C22544A-7EE6-4342-B048-85BDC9FD1C3A}</a:tableStyleId>
-              </a:tblPr>
-              <a:tblGrid>
-                <a:gridCol w="2499062"/>
-                <a:gridCol w="2191810"/>
-                <a:gridCol w="2345437"/>
-                <a:gridCol w="2345437"/>
-              </a:tblGrid>
-              <a:tr h="654710">
-                <a:tc>
-                  <a:txBody>
-                    <a:bodyPr/>
-                    <a:lstStyle/>
-                    <a:p>
-                      <a:endParaRPr lang="ru-RU" dirty="0"/>
-                    </a:p>
-                  </a:txBody>
-                  <a:tcPr/>
-                </a:tc>
-                <a:tc>
-                  <a:txBody>
-                    <a:bodyPr/>
-                    <a:lstStyle/>
-                    <a:p>
-                      <a:r>
-                        <a:rPr lang="uk-UA" dirty="0" smtClean="0"/>
-                        <a:t>1 прохід</a:t>
-                      </a:r>
-                      <a:endParaRPr lang="ru-RU" dirty="0"/>
-                    </a:p>
-                  </a:txBody>
-                  <a:tcPr/>
-                </a:tc>
-                <a:tc>
-                  <a:txBody>
-                    <a:bodyPr/>
-                    <a:lstStyle/>
-                    <a:p>
-                      <a:r>
-                        <a:rPr lang="uk-UA" dirty="0" smtClean="0"/>
-                        <a:t>10 проходів</a:t>
-                      </a:r>
-                      <a:endParaRPr lang="ru-RU" dirty="0"/>
-                    </a:p>
-                  </a:txBody>
-                  <a:tcPr/>
-                </a:tc>
-                <a:tc>
-                  <a:txBody>
-                    <a:bodyPr/>
-                    <a:lstStyle/>
-                    <a:p>
-                      <a:r>
-                        <a:rPr lang="uk-UA" dirty="0" smtClean="0"/>
-                        <a:t>100 проходів</a:t>
-                      </a:r>
-                      <a:endParaRPr lang="ru-RU" dirty="0"/>
-                    </a:p>
-                  </a:txBody>
-                  <a:tcPr/>
-                </a:tc>
-              </a:tr>
-              <a:tr h="654710">
-                <a:tc>
-                  <a:txBody>
-                    <a:bodyPr/>
-                    <a:lstStyle/>
-                    <a:p>
-                      <a:r>
-                        <a:rPr lang="uk-UA" dirty="0" smtClean="0"/>
-                        <a:t>1000 символів</a:t>
-                      </a:r>
-                      <a:endParaRPr lang="ru-RU" dirty="0"/>
-                    </a:p>
-                  </a:txBody>
-                  <a:tcPr/>
-                </a:tc>
-                <a:tc>
-                  <a:txBody>
-                    <a:bodyPr/>
-                    <a:lstStyle/>
-                    <a:p>
-                      <a:r>
-                        <a:rPr lang="uk-UA" dirty="0" smtClean="0"/>
-                        <a:t>0,0009973 с</a:t>
-                      </a:r>
-                      <a:endParaRPr lang="ru-RU" dirty="0"/>
-                    </a:p>
-                  </a:txBody>
-                  <a:tcPr/>
-                </a:tc>
-                <a:tc>
-                  <a:txBody>
-                    <a:bodyPr/>
-                    <a:lstStyle/>
-                    <a:p>
-                      <a:r>
-                        <a:rPr lang="uk-UA" dirty="0" smtClean="0"/>
-                        <a:t>0,00498 с</a:t>
-                      </a:r>
-                      <a:endParaRPr lang="ru-RU" dirty="0"/>
-                    </a:p>
-                  </a:txBody>
-                  <a:tcPr/>
-                </a:tc>
-                <a:tc>
-                  <a:txBody>
-                    <a:bodyPr/>
-                    <a:lstStyle/>
-                    <a:p>
-                      <a:r>
-                        <a:rPr lang="uk-UA" dirty="0" smtClean="0"/>
-                        <a:t>0,0428 с</a:t>
-                      </a:r>
-                      <a:endParaRPr lang="ru-RU" dirty="0"/>
-                    </a:p>
-                  </a:txBody>
-                  <a:tcPr/>
-                </a:tc>
-              </a:tr>
-              <a:tr h="654710">
-                <a:tc>
-                  <a:txBody>
-                    <a:bodyPr/>
-                    <a:lstStyle/>
-                    <a:p>
-                      <a:r>
-                        <a:rPr lang="uk-UA" dirty="0" smtClean="0"/>
-                        <a:t>10000 символів</a:t>
-                      </a:r>
-                      <a:endParaRPr lang="ru-RU" dirty="0"/>
-                    </a:p>
-                  </a:txBody>
-                  <a:tcPr/>
-                </a:tc>
-                <a:tc>
-                  <a:txBody>
-                    <a:bodyPr/>
-                    <a:lstStyle/>
-                    <a:p>
-                      <a:r>
-                        <a:rPr lang="uk-UA" dirty="0" smtClean="0"/>
-                        <a:t>0,0079779 с</a:t>
-                      </a:r>
-                      <a:endParaRPr lang="ru-RU" dirty="0"/>
-                    </a:p>
-                  </a:txBody>
-                  <a:tcPr/>
-                </a:tc>
-                <a:tc>
-                  <a:txBody>
-                    <a:bodyPr/>
-                    <a:lstStyle/>
-                    <a:p>
-                      <a:r>
-                        <a:rPr lang="uk-UA" dirty="0" smtClean="0"/>
-                        <a:t>0,04985 с</a:t>
-                      </a:r>
-                      <a:endParaRPr lang="ru-RU" dirty="0"/>
-                    </a:p>
-                  </a:txBody>
-                  <a:tcPr/>
-                </a:tc>
-                <a:tc>
-                  <a:txBody>
-                    <a:bodyPr/>
-                    <a:lstStyle/>
-                    <a:p>
-                      <a:r>
-                        <a:rPr lang="uk-UA" dirty="0" smtClean="0"/>
-                        <a:t>0,4363 с</a:t>
-                      </a:r>
-                      <a:endParaRPr lang="ru-RU" dirty="0"/>
-                    </a:p>
-                  </a:txBody>
-                  <a:tcPr/>
-                </a:tc>
-              </a:tr>
-              <a:tr h="654710">
-                <a:tc>
-                  <a:txBody>
-                    <a:bodyPr/>
-                    <a:lstStyle/>
-                    <a:p>
-                      <a:r>
-                        <a:rPr lang="uk-UA" dirty="0" smtClean="0"/>
-                        <a:t>100000 символів</a:t>
-                      </a:r>
-                      <a:endParaRPr lang="ru-RU" dirty="0"/>
-                    </a:p>
-                  </a:txBody>
-                  <a:tcPr/>
-                </a:tc>
-                <a:tc>
-                  <a:txBody>
-                    <a:bodyPr/>
-                    <a:lstStyle/>
-                    <a:p>
-                      <a:r>
-                        <a:rPr lang="uk-UA" dirty="0" smtClean="0"/>
-                        <a:t>0,0797855 с</a:t>
-                      </a:r>
-                      <a:endParaRPr lang="ru-RU" dirty="0"/>
-                    </a:p>
-                  </a:txBody>
-                  <a:tcPr/>
-                </a:tc>
-                <a:tc>
-                  <a:txBody>
-                    <a:bodyPr/>
-                    <a:lstStyle/>
-                    <a:p>
-                      <a:r>
-                        <a:rPr lang="uk-UA" dirty="0" smtClean="0"/>
-                        <a:t>0,48044 с</a:t>
-                      </a:r>
-                      <a:endParaRPr lang="ru-RU" dirty="0"/>
-                    </a:p>
-                  </a:txBody>
-                  <a:tcPr/>
-                </a:tc>
-                <a:tc>
-                  <a:txBody>
-                    <a:bodyPr/>
-                    <a:lstStyle/>
-                    <a:p>
-                      <a:r>
-                        <a:rPr lang="uk-UA" dirty="0" smtClean="0"/>
-                        <a:t>4,4514 с</a:t>
-                      </a:r>
-                      <a:endParaRPr lang="ru-RU" dirty="0"/>
-                    </a:p>
-                  </a:txBody>
-                  <a:tcPr/>
-                </a:tc>
-              </a:tr>
-              <a:tr h="654710">
-                <a:tc>
-                  <a:txBody>
-                    <a:bodyPr/>
-                    <a:lstStyle/>
-                    <a:p>
-                      <a:r>
-                        <a:rPr lang="uk-UA" dirty="0" smtClean="0"/>
-                        <a:t>1000000 символів</a:t>
-                      </a:r>
-                      <a:endParaRPr lang="ru-RU" dirty="0"/>
-                    </a:p>
-                  </a:txBody>
-                  <a:tcPr/>
-                </a:tc>
-                <a:tc>
-                  <a:txBody>
-                    <a:bodyPr/>
-                    <a:lstStyle/>
-                    <a:p>
-                      <a:r>
-                        <a:rPr lang="uk-UA" dirty="0" smtClean="0"/>
-                        <a:t>0,7979397 с</a:t>
-                      </a:r>
-                      <a:endParaRPr lang="ru-RU" dirty="0"/>
-                    </a:p>
-                  </a:txBody>
-                  <a:tcPr/>
-                </a:tc>
-                <a:tc>
-                  <a:txBody>
-                    <a:bodyPr/>
-                    <a:lstStyle/>
-                    <a:p>
-                      <a:r>
-                        <a:rPr lang="uk-UA" dirty="0" smtClean="0"/>
-                        <a:t>4,96143 с</a:t>
-                      </a:r>
-                      <a:endParaRPr lang="ru-RU" dirty="0"/>
-                    </a:p>
-                  </a:txBody>
-                  <a:tcPr/>
-                </a:tc>
-                <a:tc>
-                  <a:txBody>
-                    <a:bodyPr/>
-                    <a:lstStyle/>
-                    <a:p>
-                      <a:r>
-                        <a:rPr lang="uk-UA" dirty="0" smtClean="0"/>
-                        <a:t>48,784 с</a:t>
-                      </a:r>
-                      <a:endParaRPr lang="ru-RU" dirty="0"/>
-                    </a:p>
-                  </a:txBody>
-                  <a:tcPr/>
-                </a:tc>
-              </a:tr>
-            </a:tbl>
-          </a:graphicData>
-        </a:graphic>
-      </p:graphicFrame>
-      <p:sp>
-        <p:nvSpPr>
-          <p:cNvPr id="6" name="Объект 5"/>
-          <p:cNvSpPr>
-            <a:spLocks noGrp="1"/>
-          </p:cNvSpPr>
-          <p:nvPr>
-            <p:ph idx="1"/>
-          </p:nvPr>
-        </p:nvSpPr>
-        <p:spPr>
-          <a:xfrm>
-            <a:off x="0" y="0"/>
-            <a:ext cx="337650" cy="189419"/>
-          </a:xfrm>
-        </p:spPr>
-        <p:txBody>
-          <a:bodyPr>
-            <a:normAutofit fontScale="40000" lnSpcReduction="20000"/>
-          </a:bodyPr>
-          <a:lstStyle/>
-          <a:p>
-            <a:pPr marL="0" indent="0">
-              <a:buNone/>
-            </a:pPr>
-            <a:r>
-              <a:rPr lang="uk-UA" dirty="0"/>
-              <a:t> </a:t>
-            </a:r>
-            <a:endParaRPr lang="ru-RU" dirty="0"/>
-          </a:p>
-        </p:txBody>
-      </p:sp>
-    </p:spTree>
-    <p:extLst>
-      <p:ext uri="{BB962C8B-B14F-4D97-AF65-F5344CB8AC3E}">
-        <p14:creationId xmlns:p14="http://schemas.microsoft.com/office/powerpoint/2010/main" val="3267060538"/>
-      </p:ext>
-    </p:extLst>
-  </p:cSld>
-  <p:clrMapOvr>
-    <a:masterClrMapping/>
-  </p:clrMapOvr>
-  <p:timing>
-    <p:tnLst>
-      <p:par>
-        <p:cTn id="1" dur="indefinite" restart="never" nodeType="tmRoot"/>
-      </p:par>
-    </p:tnLst>
-  </p:timing>
-</p:sld>
-</file>
-
-<file path=ppt/slides/slide13.xml><?xml version="1.0" encoding="utf-8"?>
-<p:sld xmlns:a="http://schemas.openxmlformats.org/drawingml/2006/main" xmlns:r="http://schemas.openxmlformats.org/officeDocument/2006/relationships" xmlns:p="http://schemas.openxmlformats.org/presentationml/2006/main">
-  <p:cSld>
-    <p:spTree>
-      <p:nvGrpSpPr>
-        <p:cNvPr id="1" name=""/>
-        <p:cNvGrpSpPr/>
-        <p:nvPr/>
-      </p:nvGrpSpPr>
-      <p:grpSpPr>
-        <a:xfrm>
-          <a:off x="0" y="0"/>
-          <a:ext cx="0" cy="0"/>
-          <a:chOff x="0" y="0"/>
-          <a:chExt cx="0" cy="0"/>
-        </a:xfrm>
-      </p:grpSpPr>
-      <p:sp>
-        <p:nvSpPr>
-          <p:cNvPr id="2" name="Заголовок 1"/>
-          <p:cNvSpPr>
-            <a:spLocks noGrp="1"/>
-          </p:cNvSpPr>
-          <p:nvPr>
-            <p:ph type="title"/>
-          </p:nvPr>
-        </p:nvSpPr>
-        <p:spPr>
-          <a:xfrm>
-            <a:off x="668190" y="252984"/>
-            <a:ext cx="8596668" cy="1320800"/>
-          </a:xfrm>
-        </p:spPr>
-        <p:txBody>
-          <a:bodyPr>
-            <a:normAutofit/>
-          </a:bodyPr>
-          <a:lstStyle/>
-          <a:p>
-            <a:pPr algn="ctr"/>
-            <a:r>
-              <a:rPr lang="uk-UA" sz="3800" u="sng" dirty="0" smtClean="0">
-                <a:solidFill>
-                  <a:srgbClr val="286D9F"/>
-                </a:solidFill>
-                <a:effectLst>
-                  <a:outerShdw blurRad="38100" dist="38100" dir="2700000" algn="tl">
-                    <a:srgbClr val="000000">
-                      <a:alpha val="43137"/>
-                    </a:srgbClr>
-                  </a:outerShdw>
-                </a:effectLst>
-              </a:rPr>
-              <a:t>Демонстрація роботи програми</a:t>
-            </a:r>
-            <a:endParaRPr lang="ru-RU" sz="3800" u="sng" dirty="0">
-              <a:solidFill>
-                <a:srgbClr val="286D9F"/>
-              </a:solidFill>
-              <a:effectLst>
-                <a:outerShdw blurRad="38100" dist="38100" dir="2700000" algn="tl">
-                  <a:srgbClr val="000000">
-                    <a:alpha val="43137"/>
-                  </a:srgbClr>
-                </a:outerShdw>
-              </a:effectLst>
-            </a:endParaRPr>
-          </a:p>
-        </p:txBody>
-      </p:sp>
-      <p:pic>
-        <p:nvPicPr>
-          <p:cNvPr id="4" name="ezgif.com-gif-maker">
-            <a:hlinkClick r:id="" action="ppaction://media"/>
-          </p:cNvPr>
-          <p:cNvPicPr>
-            <a:picLocks noGrp="1" noChangeAspect="1"/>
-          </p:cNvPicPr>
-          <p:nvPr>
-            <p:ph idx="1"/>
-            <a:videoFile r:link="rId2"/>
-            <p:extLst>
-              <p:ext uri="{DAA4B4D4-6D71-4841-9C94-3DE7FCFB9230}">
-                <p14:media xmlns:p14="http://schemas.microsoft.com/office/powerpoint/2010/main" r:embed="rId1"/>
-              </p:ext>
-            </p:extLst>
-          </p:nvPr>
-        </p:nvPicPr>
-        <p:blipFill>
-          <a:blip r:embed="rId4"/>
-          <a:stretch>
-            <a:fillRect/>
-          </a:stretch>
-        </p:blipFill>
-        <p:spPr>
-          <a:xfrm>
-            <a:off x="321074" y="1270000"/>
-            <a:ext cx="9425615" cy="4911344"/>
-          </a:xfrm>
-        </p:spPr>
-      </p:pic>
-    </p:spTree>
-    <p:extLst>
-      <p:ext uri="{BB962C8B-B14F-4D97-AF65-F5344CB8AC3E}">
-        <p14:creationId xmlns:p14="http://schemas.microsoft.com/office/powerpoint/2010/main" val="2759377384"/>
-      </p:ext>
-    </p:extLst>
-  </p:cSld>
-  <p:clrMapOvr>
-    <a:masterClrMapping/>
-  </p:clrMapOvr>
-  <p:timing>
-    <p:tnLst>
-      <p:par>
-        <p:cTn id="1" dur="indefinite" restart="never" nodeType="tmRoot">
-          <p:childTnLst>
-            <p:seq concurrent="1" nextAc="seek">
-              <p:cTn id="2" restart="whenNotActive" fill="hold" evtFilter="cancelBubble" nodeType="interactiveSeq">
-                <p:stCondLst>
-                  <p:cond evt="onClick" delay="0">
-                    <p:tgtEl>
-                      <p:spTgt spid="4"/>
-                    </p:tgtEl>
-                  </p:cond>
-                </p:stCondLst>
-                <p:endSync evt="end" delay="0">
-                  <p:rtn val="all"/>
-                </p:endSync>
-                <p:childTnLst>
-                  <p:par>
-                    <p:cTn id="3" fill="hold">
-                      <p:stCondLst>
-                        <p:cond delay="0"/>
-                      </p:stCondLst>
-                      <p:childTnLst>
-                        <p:par>
-                          <p:cTn id="4" fill="hold">
-                            <p:stCondLst>
-                              <p:cond delay="0"/>
-                            </p:stCondLst>
-                            <p:childTnLst>
-                              <p:par>
-                                <p:cTn id="5" presetID="2" presetClass="mediacall" presetSubtype="0" fill="hold" nodeType="clickEffect">
-                                  <p:stCondLst>
-                                    <p:cond delay="0"/>
-                                  </p:stCondLst>
-                                  <p:childTnLst>
-                                    <p:cmd type="call" cmd="togglePause">
-                                      <p:cBhvr>
-                                        <p:cTn id="6" dur="1" fill="hold"/>
-                                        <p:tgtEl>
-                                          <p:spTgt spid="4"/>
-                                        </p:tgtEl>
-                                      </p:cBhvr>
-                                    </p:cmd>
-                                  </p:childTnLst>
-                                </p:cTn>
-                              </p:par>
-                            </p:childTnLst>
-                          </p:cTn>
-                        </p:par>
-                      </p:childTnLst>
-                    </p:cTn>
-                  </p:par>
-                </p:childTnLst>
-              </p:cTn>
-              <p:nextCondLst>
-                <p:cond evt="onClick" delay="0">
-                  <p:tgtEl>
-                    <p:spTgt spid="4"/>
-                  </p:tgtEl>
-                </p:cond>
-              </p:nextCondLst>
-            </p:seq>
-            <p:video>
-              <p:cMediaNode vol="80000">
-                <p:cTn id="7" fill="hold" display="0">
-                  <p:stCondLst>
-                    <p:cond delay="indefinite"/>
-                  </p:stCondLst>
-                </p:cTn>
-                <p:tgtEl>
-                  <p:spTgt spid="4"/>
-                </p:tgtEl>
-              </p:cMediaNode>
-            </p:video>
-          </p:childTnLst>
-        </p:cTn>
-      </p:par>
-    </p:tnLst>
-  </p:timing>
-</p:sld>
-</file>
-
-<file path=ppt/slides/slide14.xml><?xml version="1.0" encoding="utf-8"?>
-<p:sld xmlns:a="http://schemas.openxmlformats.org/drawingml/2006/main" xmlns:r="http://schemas.openxmlformats.org/officeDocument/2006/relationships" xmlns:p="http://schemas.openxmlformats.org/presentationml/2006/main">
-  <p:cSld>
-    <p:spTree>
-      <p:nvGrpSpPr>
-        <p:cNvPr id="1" name=""/>
-        <p:cNvGrpSpPr/>
-        <p:nvPr/>
-      </p:nvGrpSpPr>
-      <p:grpSpPr>
-        <a:xfrm>
-          <a:off x="0" y="0"/>
-          <a:ext cx="0" cy="0"/>
-          <a:chOff x="0" y="0"/>
-          <a:chExt cx="0" cy="0"/>
-        </a:xfrm>
-      </p:grpSpPr>
-      <p:sp>
-        <p:nvSpPr>
-          <p:cNvPr id="2" name="Заголовок 1"/>
-          <p:cNvSpPr>
-            <a:spLocks noGrp="1"/>
-          </p:cNvSpPr>
-          <p:nvPr>
-            <p:ph type="title"/>
-          </p:nvPr>
-        </p:nvSpPr>
-        <p:spPr>
-          <a:xfrm>
-            <a:off x="677334" y="600456"/>
-            <a:ext cx="8596668" cy="1320800"/>
-          </a:xfrm>
-        </p:spPr>
-        <p:txBody>
-          <a:bodyPr>
-            <a:normAutofit/>
-          </a:bodyPr>
-          <a:lstStyle/>
-          <a:p>
-            <a:r>
-              <a:rPr lang="uk-UA" sz="3800" u="sng" dirty="0">
-                <a:solidFill>
-                  <a:srgbClr val="286D9F"/>
-                </a:solidFill>
-                <a:effectLst>
-                  <a:outerShdw blurRad="38100" dist="38100" dir="2700000" algn="tl">
-                    <a:srgbClr val="000000">
-                      <a:alpha val="43137"/>
-                    </a:srgbClr>
-                  </a:outerShdw>
-                </a:effectLst>
-              </a:rPr>
-              <a:t>Висновки</a:t>
-            </a:r>
-            <a:endParaRPr lang="ru-RU" sz="3800" u="sng" dirty="0">
-              <a:solidFill>
-                <a:srgbClr val="286D9F"/>
-              </a:solidFill>
-              <a:effectLst>
-                <a:outerShdw blurRad="38100" dist="38100" dir="2700000" algn="tl">
-                  <a:srgbClr val="000000">
-                    <a:alpha val="43137"/>
-                  </a:srgbClr>
-                </a:outerShdw>
-              </a:effectLst>
-            </a:endParaRPr>
-          </a:p>
-        </p:txBody>
-      </p:sp>
-      <p:sp>
-        <p:nvSpPr>
-          <p:cNvPr id="3" name="Объект 2"/>
-          <p:cNvSpPr>
-            <a:spLocks noGrp="1"/>
-          </p:cNvSpPr>
-          <p:nvPr>
-            <p:ph idx="1"/>
-          </p:nvPr>
-        </p:nvSpPr>
-        <p:spPr>
-          <a:xfrm>
-            <a:off x="777918" y="2133157"/>
-            <a:ext cx="8596668" cy="3880773"/>
-          </a:xfrm>
-        </p:spPr>
-        <p:txBody>
-          <a:bodyPr>
-            <a:normAutofit/>
-          </a:bodyPr>
-          <a:lstStyle/>
-          <a:p>
-            <a:pPr>
-              <a:buFont typeface="Wingdings" panose="05000000000000000000" pitchFamily="2" charset="2"/>
-              <a:buChar char="Ø"/>
-            </a:pPr>
-            <a:r>
-              <a:rPr lang="uk-UA" sz="2400" dirty="0" smtClean="0">
-                <a:solidFill>
-                  <a:schemeClr val="accent1">
-                    <a:lumMod val="75000"/>
-                  </a:schemeClr>
-                </a:solidFill>
-              </a:rPr>
-              <a:t>Для </a:t>
-            </a:r>
-            <a:r>
-              <a:rPr lang="uk-UA" sz="2400" dirty="0">
-                <a:solidFill>
-                  <a:schemeClr val="accent1">
-                    <a:lumMod val="75000"/>
-                  </a:schemeClr>
-                </a:solidFill>
-              </a:rPr>
-              <a:t>вирішення даного завдання не можна використовувати шифр </a:t>
-            </a:r>
-            <a:r>
-              <a:rPr lang="uk-UA" sz="2400" dirty="0" err="1">
-                <a:solidFill>
-                  <a:schemeClr val="accent1">
-                    <a:lumMod val="75000"/>
-                  </a:schemeClr>
-                </a:solidFill>
-              </a:rPr>
-              <a:t>Вєрнама</a:t>
-            </a:r>
-            <a:endParaRPr lang="uk-UA" sz="2400" dirty="0">
-              <a:solidFill>
-                <a:schemeClr val="accent1">
-                  <a:lumMod val="75000"/>
-                </a:schemeClr>
-              </a:solidFill>
-            </a:endParaRPr>
-          </a:p>
-          <a:p>
-            <a:pPr>
-              <a:buFont typeface="Wingdings" panose="05000000000000000000" pitchFamily="2" charset="2"/>
-              <a:buChar char="Ø"/>
-            </a:pPr>
-            <a:endParaRPr lang="uk-UA" sz="2400" dirty="0">
-              <a:solidFill>
-                <a:schemeClr val="accent1">
-                  <a:lumMod val="75000"/>
-                </a:schemeClr>
-              </a:solidFill>
-            </a:endParaRPr>
-          </a:p>
-          <a:p>
-            <a:pPr>
-              <a:buFont typeface="Wingdings" panose="05000000000000000000" pitchFamily="2" charset="2"/>
-              <a:buChar char="Ø"/>
-            </a:pPr>
-            <a:r>
-              <a:rPr lang="uk-UA" sz="2400" dirty="0" smtClean="0">
-                <a:solidFill>
-                  <a:schemeClr val="accent1">
-                    <a:lumMod val="75000"/>
-                  </a:schemeClr>
-                </a:solidFill>
-              </a:rPr>
-              <a:t>Шифри </a:t>
-            </a:r>
-            <a:r>
-              <a:rPr lang="en-US" sz="2400" dirty="0">
-                <a:solidFill>
-                  <a:schemeClr val="accent1">
-                    <a:lumMod val="75000"/>
-                  </a:schemeClr>
-                </a:solidFill>
-              </a:rPr>
-              <a:t>DES </a:t>
-            </a:r>
-            <a:r>
-              <a:rPr lang="uk-UA" sz="2400" dirty="0">
-                <a:solidFill>
-                  <a:schemeClr val="accent1">
-                    <a:lumMod val="75000"/>
-                  </a:schemeClr>
-                </a:solidFill>
-              </a:rPr>
-              <a:t>та розроблений шифр будуть шифрувати повідомлення краще за </a:t>
-            </a:r>
-            <a:r>
-              <a:rPr lang="uk-UA" sz="2400" dirty="0" err="1">
-                <a:solidFill>
-                  <a:schemeClr val="accent1">
-                    <a:lumMod val="75000"/>
-                  </a:schemeClr>
-                </a:solidFill>
-              </a:rPr>
-              <a:t>шифир</a:t>
-            </a:r>
-            <a:r>
-              <a:rPr lang="uk-UA" sz="2400" dirty="0">
-                <a:solidFill>
-                  <a:schemeClr val="accent1">
-                    <a:lumMod val="75000"/>
-                  </a:schemeClr>
-                </a:solidFill>
-              </a:rPr>
-              <a:t> </a:t>
-            </a:r>
-            <a:r>
-              <a:rPr lang="uk-UA" sz="2400" dirty="0" err="1">
-                <a:solidFill>
-                  <a:schemeClr val="accent1">
-                    <a:lumMod val="75000"/>
-                  </a:schemeClr>
-                </a:solidFill>
-              </a:rPr>
-              <a:t>Віженера</a:t>
-            </a:r>
-            <a:endParaRPr lang="uk-UA" sz="2400" dirty="0">
-              <a:solidFill>
-                <a:schemeClr val="accent1">
-                  <a:lumMod val="75000"/>
-                </a:schemeClr>
-              </a:solidFill>
-            </a:endParaRPr>
-          </a:p>
-          <a:p>
-            <a:pPr>
-              <a:buFont typeface="Wingdings" panose="05000000000000000000" pitchFamily="2" charset="2"/>
-              <a:buChar char="Ø"/>
-            </a:pPr>
-            <a:endParaRPr lang="uk-UA" sz="2400" dirty="0">
-              <a:solidFill>
-                <a:schemeClr val="accent1">
-                  <a:lumMod val="75000"/>
-                </a:schemeClr>
-              </a:solidFill>
-            </a:endParaRPr>
-          </a:p>
-          <a:p>
-            <a:pPr>
-              <a:buFont typeface="Wingdings" panose="05000000000000000000" pitchFamily="2" charset="2"/>
-              <a:buChar char="Ø"/>
-            </a:pPr>
-            <a:r>
-              <a:rPr lang="uk-UA" sz="2400" dirty="0" smtClean="0">
-                <a:solidFill>
-                  <a:schemeClr val="accent1">
-                    <a:lumMod val="75000"/>
-                  </a:schemeClr>
-                </a:solidFill>
-              </a:rPr>
-              <a:t>На </a:t>
-            </a:r>
-            <a:r>
-              <a:rPr lang="uk-UA" sz="2400" dirty="0">
-                <a:solidFill>
-                  <a:schemeClr val="accent1">
-                    <a:lumMod val="75000"/>
-                  </a:schemeClr>
-                </a:solidFill>
-              </a:rPr>
-              <a:t>великих рядках краще працює розроблений шифр, ніж шифр </a:t>
-            </a:r>
-            <a:r>
-              <a:rPr lang="en-US" sz="2400" dirty="0">
-                <a:solidFill>
-                  <a:schemeClr val="accent1">
-                    <a:lumMod val="75000"/>
-                  </a:schemeClr>
-                </a:solidFill>
-              </a:rPr>
-              <a:t>DES</a:t>
-            </a:r>
-            <a:endParaRPr lang="ru-RU" sz="2400" dirty="0">
-              <a:solidFill>
-                <a:schemeClr val="accent1">
-                  <a:lumMod val="75000"/>
-                </a:schemeClr>
-              </a:solidFill>
-            </a:endParaRPr>
-          </a:p>
-          <a:p>
-            <a:pPr>
-              <a:buFont typeface="Wingdings" panose="05000000000000000000" pitchFamily="2" charset="2"/>
-              <a:buChar char="Ø"/>
-            </a:pPr>
-            <a:endParaRPr lang="ru-RU" sz="2400" dirty="0">
-              <a:solidFill>
-                <a:schemeClr val="accent1">
-                  <a:lumMod val="75000"/>
-                </a:schemeClr>
-              </a:solidFill>
-            </a:endParaRPr>
-          </a:p>
-        </p:txBody>
-      </p:sp>
-    </p:spTree>
-    <p:extLst>
-      <p:ext uri="{BB962C8B-B14F-4D97-AF65-F5344CB8AC3E}">
-        <p14:creationId xmlns:p14="http://schemas.microsoft.com/office/powerpoint/2010/main" val="2835502666"/>
-      </p:ext>
-    </p:extLst>
-  </p:cSld>
-  <p:clrMapOvr>
-    <a:masterClrMapping/>
-  </p:clrMapOvr>
-  <p:timing>
-    <p:tnLst>
-      <p:par>
-        <p:cTn id="1" dur="indefinite" restart="never" nodeType="tmRoot"/>
-      </p:par>
-    </p:tnLst>
-  </p:timing>
-</p:sld>
-</file>
-
-<file path=ppt/slides/slide15.xml><?xml version="1.0" encoding="utf-8"?>
-<p:sld xmlns:a="http://schemas.openxmlformats.org/drawingml/2006/main" xmlns:r="http://schemas.openxmlformats.org/officeDocument/2006/relationships" xmlns:p="http://schemas.openxmlformats.org/presentationml/2006/main">
-  <p:cSld>
-    <p:spTree>
-      <p:nvGrpSpPr>
-        <p:cNvPr id="1" name=""/>
-        <p:cNvGrpSpPr/>
-        <p:nvPr/>
-      </p:nvGrpSpPr>
-      <p:grpSpPr>
-        <a:xfrm>
-          <a:off x="0" y="0"/>
-          <a:ext cx="0" cy="0"/>
-          <a:chOff x="0" y="0"/>
-          <a:chExt cx="0" cy="0"/>
-        </a:xfrm>
-      </p:grpSpPr>
-      <p:sp>
-        <p:nvSpPr>
-          <p:cNvPr id="2" name="Заголовок 1"/>
-          <p:cNvSpPr>
-            <a:spLocks noGrp="1"/>
-          </p:cNvSpPr>
-          <p:nvPr>
-            <p:ph type="title"/>
-          </p:nvPr>
-        </p:nvSpPr>
-        <p:spPr>
-          <a:xfrm>
-            <a:off x="869358" y="2731008"/>
-            <a:ext cx="8596668" cy="1320800"/>
-          </a:xfrm>
-        </p:spPr>
-        <p:txBody>
-          <a:bodyPr>
-            <a:normAutofit/>
-          </a:bodyPr>
-          <a:lstStyle/>
-          <a:p>
-            <a:r>
-              <a:rPr lang="uk-UA" sz="7200" dirty="0">
-                <a:latin typeface="Helvetica" panose="020B0604020202020204" pitchFamily="34" charset="0"/>
-                <a:cs typeface="Helvetica" panose="020B0604020202020204" pitchFamily="34" charset="0"/>
-              </a:rPr>
-              <a:t>ДЯКУЮ ЗА УВАГУ!</a:t>
-            </a:r>
-            <a:endParaRPr lang="ru-RU" sz="7200" dirty="0">
-              <a:latin typeface="Helvetica" panose="020B0604020202020204" pitchFamily="34" charset="0"/>
-              <a:cs typeface="Helvetica" panose="020B0604020202020204" pitchFamily="34" charset="0"/>
-            </a:endParaRPr>
-          </a:p>
-        </p:txBody>
-      </p:sp>
-      <p:sp>
-        <p:nvSpPr>
-          <p:cNvPr id="3" name="Объект 2"/>
-          <p:cNvSpPr>
-            <a:spLocks noGrp="1"/>
-          </p:cNvSpPr>
-          <p:nvPr>
-            <p:ph idx="1"/>
-          </p:nvPr>
-        </p:nvSpPr>
-        <p:spPr>
-          <a:xfrm>
-            <a:off x="0" y="0"/>
-            <a:ext cx="301074" cy="207707"/>
-          </a:xfrm>
-        </p:spPr>
-        <p:txBody>
-          <a:bodyPr>
-            <a:normAutofit fontScale="47500" lnSpcReduction="20000"/>
-          </a:bodyPr>
-          <a:lstStyle/>
-          <a:p>
-            <a:pPr marL="0" indent="0">
-              <a:buNone/>
-            </a:pPr>
-            <a:r>
-              <a:rPr lang="uk-UA" dirty="0"/>
-              <a:t> </a:t>
-            </a:r>
-            <a:endParaRPr lang="ru-RU" dirty="0"/>
-          </a:p>
-        </p:txBody>
-      </p:sp>
-    </p:spTree>
-    <p:extLst>
-      <p:ext uri="{BB962C8B-B14F-4D97-AF65-F5344CB8AC3E}">
-        <p14:creationId xmlns:p14="http://schemas.microsoft.com/office/powerpoint/2010/main" val="2725319594"/>
-      </p:ext>
-    </p:extLst>
-  </p:cSld>
-  <p:clrMapOvr>
-    <a:masterClrMapping/>
-  </p:clrMapOvr>
-  <p:timing>
-    <p:tnLst>
-      <p:par>
-        <p:cTn id="1" dur="indefinite" restart="never" nodeType="tmRoot"/>
-      </p:par>
-    </p:tnLst>
-  </p:timing>
-</p:sld>
-</file>
-
-<file path=ppt/slides/slide2.xml><?xml version="1.0" encoding="utf-8"?>
-<p:sld xmlns:a="http://schemas.openxmlformats.org/drawingml/2006/main" xmlns:r="http://schemas.openxmlformats.org/officeDocument/2006/relationships" xmlns:p="http://schemas.openxmlformats.org/presentationml/2006/main">
-  <p:cSld>
-    <p:spTree>
-      <p:nvGrpSpPr>
-        <p:cNvPr id="1" name=""/>
-        <p:cNvGrpSpPr/>
-        <p:nvPr/>
-      </p:nvGrpSpPr>
-      <p:grpSpPr>
-        <a:xfrm>
-          <a:off x="0" y="0"/>
-          <a:ext cx="0" cy="0"/>
-          <a:chOff x="0" y="0"/>
-          <a:chExt cx="0" cy="0"/>
-        </a:xfrm>
-      </p:grpSpPr>
-      <p:sp>
-        <p:nvSpPr>
-          <p:cNvPr id="2" name="Заголовок 1"/>
-          <p:cNvSpPr>
-            <a:spLocks noGrp="1"/>
-          </p:cNvSpPr>
-          <p:nvPr>
-            <p:ph type="title"/>
-          </p:nvPr>
-        </p:nvSpPr>
-        <p:spPr>
-          <a:xfrm>
-            <a:off x="1591734" y="859093"/>
-            <a:ext cx="4820874" cy="734568"/>
-          </a:xfrm>
-        </p:spPr>
-        <p:txBody>
-          <a:bodyPr>
-            <a:normAutofit/>
-          </a:bodyPr>
-          <a:lstStyle/>
-          <a:p>
-            <a:r>
-              <a:rPr lang="uk-UA" sz="3800" u="sng" dirty="0">
-                <a:solidFill>
-                  <a:srgbClr val="286D9F"/>
-                </a:solidFill>
-                <a:effectLst>
-                  <a:outerShdw blurRad="38100" dist="38100" dir="2700000" algn="tl">
-                    <a:srgbClr val="000000">
-                      <a:alpha val="43137"/>
-                    </a:srgbClr>
-                  </a:outerShdw>
-                </a:effectLst>
-              </a:rPr>
-              <a:t>Актуальність</a:t>
-            </a:r>
-            <a:endParaRPr lang="ru-RU" sz="3800" u="sng" dirty="0">
-              <a:solidFill>
-                <a:srgbClr val="286D9F"/>
-              </a:solidFill>
-              <a:effectLst>
-                <a:outerShdw blurRad="38100" dist="38100" dir="2700000" algn="tl">
-                  <a:srgbClr val="000000">
-                    <a:alpha val="43137"/>
-                  </a:srgbClr>
-                </a:outerShdw>
-              </a:effectLst>
-            </a:endParaRPr>
-          </a:p>
-        </p:txBody>
-      </p:sp>
-      <p:sp>
-        <p:nvSpPr>
-          <p:cNvPr id="3" name="Объект 2"/>
-          <p:cNvSpPr>
-            <a:spLocks noGrp="1"/>
-          </p:cNvSpPr>
-          <p:nvPr>
-            <p:ph idx="1"/>
-          </p:nvPr>
-        </p:nvSpPr>
-        <p:spPr>
-          <a:xfrm>
-            <a:off x="1591734" y="2334325"/>
-            <a:ext cx="8596668" cy="3880773"/>
-          </a:xfrm>
-        </p:spPr>
-        <p:txBody>
-          <a:bodyPr>
-            <a:normAutofit/>
-          </a:bodyPr>
-          <a:lstStyle/>
-          <a:p>
-            <a:pPr>
-              <a:buFont typeface="Wingdings" panose="05000000000000000000" pitchFamily="2" charset="2"/>
-              <a:buChar char="Ø"/>
-            </a:pPr>
-            <a:r>
-              <a:rPr lang="uk-UA" sz="2400" dirty="0">
-                <a:solidFill>
-                  <a:schemeClr val="accent1">
-                    <a:lumMod val="75000"/>
-                  </a:schemeClr>
-                </a:solidFill>
-              </a:rPr>
-              <a:t> Авторизація на сайтах</a:t>
-            </a:r>
-          </a:p>
-          <a:p>
-            <a:pPr>
-              <a:buFont typeface="Wingdings" panose="05000000000000000000" pitchFamily="2" charset="2"/>
-              <a:buChar char="Ø"/>
-            </a:pPr>
-            <a:endParaRPr lang="uk-UA" sz="2400" dirty="0">
-              <a:solidFill>
-                <a:schemeClr val="accent1">
-                  <a:lumMod val="75000"/>
-                </a:schemeClr>
-              </a:solidFill>
-            </a:endParaRPr>
-          </a:p>
-          <a:p>
-            <a:pPr>
-              <a:buFont typeface="Wingdings" panose="05000000000000000000" pitchFamily="2" charset="2"/>
-              <a:buChar char="Ø"/>
-            </a:pPr>
-            <a:r>
-              <a:rPr lang="uk-UA" sz="2400" dirty="0">
-                <a:solidFill>
-                  <a:schemeClr val="accent1">
-                    <a:lumMod val="75000"/>
-                  </a:schemeClr>
-                </a:solidFill>
-              </a:rPr>
-              <a:t> Воєнне діло</a:t>
-            </a:r>
-          </a:p>
-          <a:p>
-            <a:pPr>
-              <a:buFont typeface="Wingdings" panose="05000000000000000000" pitchFamily="2" charset="2"/>
-              <a:buChar char="Ø"/>
-            </a:pPr>
-            <a:endParaRPr lang="uk-UA" sz="2400" dirty="0">
-              <a:solidFill>
-                <a:schemeClr val="accent1">
-                  <a:lumMod val="75000"/>
-                </a:schemeClr>
-              </a:solidFill>
-            </a:endParaRPr>
-          </a:p>
-          <a:p>
-            <a:pPr>
-              <a:buFont typeface="Wingdings" panose="05000000000000000000" pitchFamily="2" charset="2"/>
-              <a:buChar char="Ø"/>
-            </a:pPr>
-            <a:r>
-              <a:rPr lang="uk-UA" sz="2400" dirty="0">
-                <a:solidFill>
-                  <a:schemeClr val="accent1">
-                    <a:lumMod val="75000"/>
-                  </a:schemeClr>
-                </a:solidFill>
-              </a:rPr>
-              <a:t> Безпека особистої інформації</a:t>
-            </a:r>
-            <a:endParaRPr lang="en-US" sz="2400" dirty="0">
-              <a:solidFill>
-                <a:schemeClr val="accent1">
-                  <a:lumMod val="75000"/>
-                </a:schemeClr>
-              </a:solidFill>
-            </a:endParaRPr>
-          </a:p>
-          <a:p>
-            <a:pPr>
-              <a:buFont typeface="Wingdings" panose="05000000000000000000" pitchFamily="2" charset="2"/>
-              <a:buChar char="Ø"/>
-            </a:pPr>
-            <a:endParaRPr lang="en-US" sz="2400" dirty="0">
-              <a:solidFill>
-                <a:schemeClr val="accent1">
-                  <a:lumMod val="75000"/>
-                </a:schemeClr>
-              </a:solidFill>
-            </a:endParaRPr>
-          </a:p>
-          <a:p>
-            <a:pPr>
-              <a:buFont typeface="Wingdings" panose="05000000000000000000" pitchFamily="2" charset="2"/>
-              <a:buChar char="Ø"/>
-            </a:pPr>
-            <a:r>
-              <a:rPr lang="uk-UA" sz="2400" dirty="0">
-                <a:solidFill>
-                  <a:schemeClr val="accent1">
-                    <a:lumMod val="75000"/>
-                  </a:schemeClr>
-                </a:solidFill>
-              </a:rPr>
-              <a:t> Відправка файлів великих розмірів</a:t>
-            </a:r>
-            <a:endParaRPr lang="ru-RU" sz="2400" dirty="0">
-              <a:solidFill>
-                <a:schemeClr val="accent1">
-                  <a:lumMod val="75000"/>
-                </a:schemeClr>
-              </a:solidFill>
-            </a:endParaRPr>
-          </a:p>
-        </p:txBody>
-      </p:sp>
-    </p:spTree>
-    <p:extLst>
-      <p:ext uri="{BB962C8B-B14F-4D97-AF65-F5344CB8AC3E}">
-        <p14:creationId xmlns:p14="http://schemas.microsoft.com/office/powerpoint/2010/main" val="2937553529"/>
-      </p:ext>
-    </p:extLst>
-  </p:cSld>
-  <p:clrMapOvr>
-    <a:masterClrMapping/>
-  </p:clrMapOvr>
-  <p:timing>
-    <p:tnLst>
-      <p:par>
-        <p:cTn id="1" dur="indefinite" restart="never" nodeType="tmRoot"/>
-      </p:par>
-    </p:tnLst>
-  </p:timing>
-</p:sld>
-</file>
-
-<file path=ppt/slides/slide3.xml><?xml version="1.0" encoding="utf-8"?>
-<p:sld xmlns:a="http://schemas.openxmlformats.org/drawingml/2006/main" xmlns:r="http://schemas.openxmlformats.org/officeDocument/2006/relationships" xmlns:p="http://schemas.openxmlformats.org/presentationml/2006/main">
-  <p:cSld>
-    <p:spTree>
-      <p:nvGrpSpPr>
-        <p:cNvPr id="1" name=""/>
-        <p:cNvGrpSpPr/>
-        <p:nvPr/>
-      </p:nvGrpSpPr>
-      <p:grpSpPr>
-        <a:xfrm>
-          <a:off x="0" y="0"/>
-          <a:ext cx="0" cy="0"/>
-          <a:chOff x="0" y="0"/>
-          <a:chExt cx="0" cy="0"/>
-        </a:xfrm>
-      </p:grpSpPr>
-      <p:sp>
-        <p:nvSpPr>
-          <p:cNvPr id="2" name="Заголовок 1"/>
-          <p:cNvSpPr>
-            <a:spLocks noGrp="1"/>
-          </p:cNvSpPr>
-          <p:nvPr>
-            <p:ph type="title"/>
-          </p:nvPr>
-        </p:nvSpPr>
-        <p:spPr>
-          <a:xfrm>
-            <a:off x="2084324" y="536448"/>
-            <a:ext cx="8596668" cy="1320800"/>
-          </a:xfrm>
-        </p:spPr>
-        <p:txBody>
-          <a:bodyPr>
-            <a:normAutofit/>
-          </a:bodyPr>
-          <a:lstStyle/>
-          <a:p>
-            <a:pPr algn="just"/>
-            <a:r>
-              <a:rPr lang="uk-UA" sz="3800" u="sng" dirty="0">
-                <a:solidFill>
-                  <a:srgbClr val="286D9F"/>
-                </a:solidFill>
-                <a:effectLst>
-                  <a:outerShdw blurRad="38100" dist="38100" dir="2700000" algn="tl">
-                    <a:srgbClr val="000000">
-                      <a:alpha val="43137"/>
-                    </a:srgbClr>
-                  </a:outerShdw>
-                </a:effectLst>
-              </a:rPr>
-              <a:t>Табличні шифри</a:t>
-            </a:r>
-            <a:endParaRPr lang="ru-RU" sz="3800" u="sng" dirty="0">
-              <a:solidFill>
-                <a:srgbClr val="286D9F"/>
-              </a:solidFill>
-              <a:effectLst>
-                <a:outerShdw blurRad="38100" dist="38100" dir="2700000" algn="tl">
-                  <a:srgbClr val="000000">
-                    <a:alpha val="43137"/>
-                  </a:srgbClr>
-                </a:outerShdw>
-              </a:effectLst>
-            </a:endParaRPr>
-          </a:p>
-        </p:txBody>
-      </p:sp>
-      <p:pic>
-        <p:nvPicPr>
-          <p:cNvPr id="4" name="Picture 2" descr="Картинки по запросу квадрат виженера"/>
-          <p:cNvPicPr>
-            <a:picLocks noGrp="1" noChangeAspect="1" noChangeArrowheads="1"/>
-          </p:cNvPicPr>
-          <p:nvPr>
-            <p:ph idx="1"/>
-          </p:nvPr>
-        </p:nvPicPr>
-        <p:blipFill>
-          <a:blip r:embed="rId2" cstate="print">
-            <a:extLst>
-              <a:ext uri="{28A0092B-C50C-407E-A947-70E740481C1C}">
-                <a14:useLocalDpi xmlns:a14="http://schemas.microsoft.com/office/drawing/2010/main" val="0"/>
-              </a:ext>
-            </a:extLst>
-          </a:blip>
-          <a:srcRect/>
-          <a:stretch>
-            <a:fillRect/>
-          </a:stretch>
-        </p:blipFill>
-        <p:spPr bwMode="auto">
-          <a:xfrm>
-            <a:off x="2084324" y="1621092"/>
-            <a:ext cx="4938268" cy="4938268"/>
-          </a:xfrm>
-          <a:prstGeom prst="rect">
-            <a:avLst/>
-          </a:prstGeom>
-          <a:noFill/>
-          <a:extLst>
-            <a:ext uri="{909E8E84-426E-40DD-AFC4-6F175D3DCCD1}">
-              <a14:hiddenFill xmlns:a14="http://schemas.microsoft.com/office/drawing/2010/main">
-                <a:solidFill>
-                  <a:srgbClr val="FFFFFF"/>
-                </a:solidFill>
-              </a14:hiddenFill>
-            </a:ext>
-          </a:extLst>
-        </p:spPr>
-      </p:pic>
-    </p:spTree>
-    <p:extLst>
-      <p:ext uri="{BB962C8B-B14F-4D97-AF65-F5344CB8AC3E}">
-        <p14:creationId xmlns:p14="http://schemas.microsoft.com/office/powerpoint/2010/main" val="2987290186"/>
-      </p:ext>
-    </p:extLst>
-  </p:cSld>
-  <p:clrMapOvr>
-    <a:masterClrMapping/>
-  </p:clrMapOvr>
-  <p:timing>
-    <p:tnLst>
-      <p:par>
-        <p:cTn id="1" dur="indefinite" restart="never" nodeType="tmRoot"/>
-      </p:par>
-    </p:tnLst>
-  </p:timing>
-</p:sld>
-</file>
-
-<file path=ppt/slides/slide4.xml><?xml version="1.0" encoding="utf-8"?>
-<p:sld xmlns:a="http://schemas.openxmlformats.org/drawingml/2006/main" xmlns:r="http://schemas.openxmlformats.org/officeDocument/2006/relationships" xmlns:p="http://schemas.openxmlformats.org/presentationml/2006/main">
-  <p:cSld>
-    <p:spTree>
-      <p:nvGrpSpPr>
-        <p:cNvPr id="1" name=""/>
-        <p:cNvGrpSpPr/>
-        <p:nvPr/>
-      </p:nvGrpSpPr>
-      <p:grpSpPr>
-        <a:xfrm>
-          <a:off x="0" y="0"/>
-          <a:ext cx="0" cy="0"/>
-          <a:chOff x="0" y="0"/>
-          <a:chExt cx="0" cy="0"/>
-        </a:xfrm>
-      </p:grpSpPr>
-      <p:sp>
-        <p:nvSpPr>
-          <p:cNvPr id="2" name="Заголовок 1"/>
-          <p:cNvSpPr>
-            <a:spLocks noGrp="1"/>
-          </p:cNvSpPr>
-          <p:nvPr>
-            <p:ph type="title"/>
-          </p:nvPr>
-        </p:nvSpPr>
-        <p:spPr>
-          <a:xfrm>
-            <a:off x="941832" y="517560"/>
-            <a:ext cx="8596668" cy="1320800"/>
-          </a:xfrm>
-        </p:spPr>
-        <p:txBody>
-          <a:bodyPr>
-            <a:normAutofit/>
-          </a:bodyPr>
-          <a:lstStyle/>
-          <a:p>
-            <a:r>
-              <a:rPr lang="uk-UA" sz="3800" u="sng" dirty="0">
-                <a:solidFill>
-                  <a:srgbClr val="286D9F"/>
-                </a:solidFill>
-                <a:effectLst>
-                  <a:outerShdw blurRad="38100" dist="38100" dir="2700000" algn="tl">
-                    <a:srgbClr val="000000">
-                      <a:alpha val="43137"/>
-                    </a:srgbClr>
-                  </a:outerShdw>
-                </a:effectLst>
-              </a:rPr>
-              <a:t>Потокові шифри</a:t>
-            </a:r>
-            <a:endParaRPr lang="ru-RU" sz="3800" u="sng" dirty="0">
-              <a:solidFill>
-                <a:srgbClr val="286D9F"/>
-              </a:solidFill>
-              <a:effectLst>
-                <a:outerShdw blurRad="38100" dist="38100" dir="2700000" algn="tl">
-                  <a:srgbClr val="000000">
-                    <a:alpha val="43137"/>
-                  </a:srgbClr>
-                </a:outerShdw>
-              </a:effectLst>
-            </a:endParaRPr>
-          </a:p>
-        </p:txBody>
-      </p:sp>
-      <p:pic>
-        <p:nvPicPr>
-          <p:cNvPr id="4" name="Объект 3"/>
-          <p:cNvPicPr>
-            <a:picLocks noGrp="1" noChangeAspect="1"/>
-          </p:cNvPicPr>
-          <p:nvPr>
-            <p:ph idx="1"/>
-          </p:nvPr>
-        </p:nvPicPr>
-        <p:blipFill>
-          <a:blip r:embed="rId2" cstate="print">
-            <a:extLst>
-              <a:ext uri="{28A0092B-C50C-407E-A947-70E740481C1C}">
-                <a14:useLocalDpi xmlns:a14="http://schemas.microsoft.com/office/drawing/2010/main" val="0"/>
-              </a:ext>
-            </a:extLst>
-          </a:blip>
-          <a:stretch>
-            <a:fillRect/>
-          </a:stretch>
-        </p:blipFill>
-        <p:spPr>
-          <a:xfrm>
-            <a:off x="941832" y="1838360"/>
-            <a:ext cx="6753746" cy="4459698"/>
-          </a:xfrm>
-        </p:spPr>
-      </p:pic>
-    </p:spTree>
-    <p:extLst>
-      <p:ext uri="{BB962C8B-B14F-4D97-AF65-F5344CB8AC3E}">
-        <p14:creationId xmlns:p14="http://schemas.microsoft.com/office/powerpoint/2010/main" val="1503142041"/>
-      </p:ext>
-    </p:extLst>
-  </p:cSld>
-  <p:clrMapOvr>
-    <a:masterClrMapping/>
-  </p:clrMapOvr>
-  <p:timing>
-    <p:tnLst>
-      <p:par>
-        <p:cTn id="1" dur="indefinite" restart="never" nodeType="tmRoot"/>
-      </p:par>
-    </p:tnLst>
-  </p:timing>
-</p:sld>
-</file>
-
-<file path=ppt/slides/slide5.xml><?xml version="1.0" encoding="utf-8"?>
-<p:sld xmlns:a="http://schemas.openxmlformats.org/drawingml/2006/main" xmlns:r="http://schemas.openxmlformats.org/officeDocument/2006/relationships" xmlns:p="http://schemas.openxmlformats.org/presentationml/2006/main">
-  <p:cSld>
-    <p:spTree>
-      <p:nvGrpSpPr>
-        <p:cNvPr id="1" name=""/>
-        <p:cNvGrpSpPr/>
-        <p:nvPr/>
-      </p:nvGrpSpPr>
-      <p:grpSpPr>
-        <a:xfrm>
-          <a:off x="0" y="0"/>
-          <a:ext cx="0" cy="0"/>
-          <a:chOff x="0" y="0"/>
-          <a:chExt cx="0" cy="0"/>
-        </a:xfrm>
-      </p:grpSpPr>
-      <p:sp>
-        <p:nvSpPr>
-          <p:cNvPr id="2" name="Заголовок 1"/>
-          <p:cNvSpPr>
-            <a:spLocks noGrp="1"/>
-          </p:cNvSpPr>
-          <p:nvPr>
-            <p:ph type="title"/>
-          </p:nvPr>
-        </p:nvSpPr>
-        <p:spPr>
-          <a:xfrm>
-            <a:off x="220134" y="582168"/>
-            <a:ext cx="3574626" cy="862584"/>
-          </a:xfrm>
-        </p:spPr>
-        <p:txBody>
-          <a:bodyPr>
-            <a:normAutofit/>
-          </a:bodyPr>
-          <a:lstStyle/>
-          <a:p>
-            <a:r>
-              <a:rPr lang="uk-UA" sz="3800" u="sng" dirty="0">
-                <a:solidFill>
-                  <a:srgbClr val="286D9F"/>
-                </a:solidFill>
-                <a:effectLst>
-                  <a:outerShdw blurRad="38100" dist="38100" dir="2700000" algn="tl">
-                    <a:srgbClr val="000000">
-                      <a:alpha val="43137"/>
-                    </a:srgbClr>
-                  </a:outerShdw>
-                </a:effectLst>
-              </a:rPr>
-              <a:t>Блочні шифри</a:t>
-            </a:r>
-            <a:endParaRPr lang="ru-RU" sz="3800" u="sng" dirty="0">
-              <a:solidFill>
-                <a:srgbClr val="286D9F"/>
-              </a:solidFill>
-              <a:effectLst>
-                <a:outerShdw blurRad="38100" dist="38100" dir="2700000" algn="tl">
-                  <a:srgbClr val="000000">
-                    <a:alpha val="43137"/>
-                  </a:srgbClr>
-                </a:outerShdw>
-              </a:effectLst>
-            </a:endParaRPr>
-          </a:p>
-        </p:txBody>
-      </p:sp>
-      <p:pic>
-        <p:nvPicPr>
-          <p:cNvPr id="4" name="Объект 3"/>
-          <p:cNvPicPr>
-            <a:picLocks noGrp="1" noChangeAspect="1"/>
-          </p:cNvPicPr>
-          <p:nvPr>
-            <p:ph idx="1"/>
-          </p:nvPr>
-        </p:nvPicPr>
-        <p:blipFill>
-          <a:blip r:embed="rId2">
-            <a:extLst>
-              <a:ext uri="{28A0092B-C50C-407E-A947-70E740481C1C}">
-                <a14:useLocalDpi xmlns:a14="http://schemas.microsoft.com/office/drawing/2010/main" val="0"/>
-              </a:ext>
-            </a:extLst>
-          </a:blip>
-          <a:stretch>
-            <a:fillRect/>
-          </a:stretch>
-        </p:blipFill>
-        <p:spPr>
-          <a:xfrm>
-            <a:off x="3870873" y="582168"/>
-            <a:ext cx="4285740" cy="5727192"/>
-          </a:xfrm>
-        </p:spPr>
-      </p:pic>
-    </p:spTree>
-    <p:extLst>
-      <p:ext uri="{BB962C8B-B14F-4D97-AF65-F5344CB8AC3E}">
-        <p14:creationId xmlns:p14="http://schemas.microsoft.com/office/powerpoint/2010/main" val="3989171013"/>
-      </p:ext>
-    </p:extLst>
-  </p:cSld>
-  <p:clrMapOvr>
-    <a:masterClrMapping/>
-  </p:clrMapOvr>
-  <p:timing>
-    <p:tnLst>
-      <p:par>
-        <p:cTn id="1" dur="indefinite" restart="never" nodeType="tmRoot"/>
-      </p:par>
-    </p:tnLst>
-  </p:timing>
-</p:sld>
-</file>
-
-<file path=ppt/slides/slide6.xml><?xml version="1.0" encoding="utf-8"?>
-<p:sld xmlns:a="http://schemas.openxmlformats.org/drawingml/2006/main" xmlns:r="http://schemas.openxmlformats.org/officeDocument/2006/relationships" xmlns:p="http://schemas.openxmlformats.org/presentationml/2006/main">
-  <p:cSld>
-    <p:spTree>
-      <p:nvGrpSpPr>
-        <p:cNvPr id="1" name=""/>
-        <p:cNvGrpSpPr/>
-        <p:nvPr/>
-      </p:nvGrpSpPr>
-      <p:grpSpPr>
-        <a:xfrm>
-          <a:off x="0" y="0"/>
-          <a:ext cx="0" cy="0"/>
-          <a:chOff x="0" y="0"/>
-          <a:chExt cx="0" cy="0"/>
-        </a:xfrm>
-      </p:grpSpPr>
-      <p:sp>
-        <p:nvSpPr>
-          <p:cNvPr id="2" name="Заголовок 1"/>
-          <p:cNvSpPr>
-            <a:spLocks noGrp="1"/>
-          </p:cNvSpPr>
-          <p:nvPr>
-            <p:ph type="title"/>
-          </p:nvPr>
-        </p:nvSpPr>
-        <p:spPr/>
-        <p:txBody>
-          <a:bodyPr>
-            <a:normAutofit/>
-          </a:bodyPr>
-          <a:lstStyle/>
-          <a:p>
-            <a:r>
-              <a:rPr lang="uk-UA" sz="3800" u="sng" dirty="0">
-                <a:solidFill>
-                  <a:srgbClr val="286D9F"/>
-                </a:solidFill>
-                <a:effectLst>
-                  <a:outerShdw blurRad="38100" dist="38100" dir="2700000" algn="tl">
-                    <a:srgbClr val="000000">
-                      <a:alpha val="43137"/>
-                    </a:srgbClr>
-                  </a:outerShdw>
-                </a:effectLst>
-              </a:rPr>
-              <a:t>Довжина ключа</a:t>
-            </a:r>
-            <a:endParaRPr lang="ru-RU" sz="3800" u="sng" dirty="0">
-              <a:solidFill>
-                <a:srgbClr val="286D9F"/>
-              </a:solidFill>
-              <a:effectLst>
-                <a:outerShdw blurRad="38100" dist="38100" dir="2700000" algn="tl">
-                  <a:srgbClr val="000000">
-                    <a:alpha val="43137"/>
-                  </a:srgbClr>
-                </a:outerShdw>
-              </a:effectLst>
-            </a:endParaRPr>
-          </a:p>
-        </p:txBody>
-      </p:sp>
-      <p:pic>
-        <p:nvPicPr>
-          <p:cNvPr id="4" name="Объект 3"/>
-          <p:cNvPicPr>
-            <a:picLocks noGrp="1" noChangeAspect="1"/>
-          </p:cNvPicPr>
-          <p:nvPr>
-            <p:ph idx="1"/>
-          </p:nvPr>
-        </p:nvPicPr>
-        <p:blipFill>
-          <a:blip r:embed="rId2">
-            <a:extLst>
-              <a:ext uri="{28A0092B-C50C-407E-A947-70E740481C1C}">
-                <a14:useLocalDpi xmlns:a14="http://schemas.microsoft.com/office/drawing/2010/main" val="0"/>
-              </a:ext>
-            </a:extLst>
-          </a:blip>
-          <a:stretch>
-            <a:fillRect/>
-          </a:stretch>
-        </p:blipFill>
-        <p:spPr>
-          <a:xfrm>
-            <a:off x="1351756" y="3567906"/>
-            <a:ext cx="7248525" cy="1066800"/>
-          </a:xfrm>
-        </p:spPr>
-      </p:pic>
-      <p:sp>
-        <p:nvSpPr>
-          <p:cNvPr id="5" name="TextBox 4"/>
-          <p:cNvSpPr txBox="1"/>
-          <p:nvPr/>
-        </p:nvSpPr>
-        <p:spPr>
-          <a:xfrm>
-            <a:off x="1351756" y="1930400"/>
-            <a:ext cx="6804692" cy="1200329"/>
-          </a:xfrm>
-          <a:prstGeom prst="rect">
-            <a:avLst/>
-          </a:prstGeom>
-          <a:noFill/>
-        </p:spPr>
-        <p:txBody>
-          <a:bodyPr wrap="square" rtlCol="0">
-            <a:spAutoFit/>
-          </a:bodyPr>
-          <a:lstStyle/>
-          <a:p>
-            <a:r>
-              <a:rPr lang="uk-UA" sz="2400" dirty="0" smtClean="0">
-                <a:solidFill>
-                  <a:schemeClr val="accent1">
-                    <a:lumMod val="75000"/>
-                  </a:schemeClr>
-                </a:solidFill>
-              </a:rPr>
-              <a:t>Відкритий текст розбивається на блоки, довжина яких дорівнює довжині ключа</a:t>
-            </a:r>
-            <a:endParaRPr lang="ru-RU" sz="2400" dirty="0" smtClean="0">
-              <a:solidFill>
-                <a:schemeClr val="accent1">
-                  <a:lumMod val="75000"/>
-                </a:schemeClr>
-              </a:solidFill>
-            </a:endParaRPr>
-          </a:p>
-          <a:p>
-            <a:endParaRPr lang="ru-RU" sz="2400" dirty="0">
-              <a:solidFill>
-                <a:schemeClr val="accent1">
-                  <a:lumMod val="75000"/>
-                </a:schemeClr>
-              </a:solidFill>
-            </a:endParaRPr>
-          </a:p>
-        </p:txBody>
-      </p:sp>
-    </p:spTree>
-    <p:extLst>
-      <p:ext uri="{BB962C8B-B14F-4D97-AF65-F5344CB8AC3E}">
-        <p14:creationId xmlns:p14="http://schemas.microsoft.com/office/powerpoint/2010/main" val="1358622624"/>
-      </p:ext>
-    </p:extLst>
-  </p:cSld>
-  <p:clrMapOvr>
-    <a:masterClrMapping/>
-  </p:clrMapOvr>
-  <p:timing>
-    <p:tnLst>
-      <p:par>
-        <p:cTn id="1" dur="indefinite" restart="never" nodeType="tmRoot"/>
-      </p:par>
-    </p:tnLst>
-  </p:timing>
-</p:sld>
-</file>
-
-<file path=ppt/slides/slide7.xml><?xml version="1.0" encoding="utf-8"?>
-<p:sld xmlns:a="http://schemas.openxmlformats.org/drawingml/2006/main" xmlns:r="http://schemas.openxmlformats.org/officeDocument/2006/relationships" xmlns:p="http://schemas.openxmlformats.org/presentationml/2006/main">
-  <p:cSld>
-    <p:spTree>
-      <p:nvGrpSpPr>
-        <p:cNvPr id="1" name=""/>
-        <p:cNvGrpSpPr/>
-        <p:nvPr/>
-      </p:nvGrpSpPr>
-      <p:grpSpPr>
-        <a:xfrm>
-          <a:off x="0" y="0"/>
-          <a:ext cx="0" cy="0"/>
-          <a:chOff x="0" y="0"/>
-          <a:chExt cx="0" cy="0"/>
-        </a:xfrm>
-      </p:grpSpPr>
-      <p:sp>
-        <p:nvSpPr>
-          <p:cNvPr id="2" name="Заголовок 1"/>
-          <p:cNvSpPr>
-            <a:spLocks noGrp="1"/>
-          </p:cNvSpPr>
-          <p:nvPr>
-            <p:ph type="title"/>
-          </p:nvPr>
-        </p:nvSpPr>
-        <p:spPr/>
-        <p:txBody>
-          <a:bodyPr>
-            <a:normAutofit/>
-          </a:bodyPr>
-          <a:lstStyle/>
-          <a:p>
-            <a:r>
-              <a:rPr lang="uk-UA" sz="3800" u="sng" dirty="0">
-                <a:solidFill>
-                  <a:srgbClr val="286D9F"/>
-                </a:solidFill>
-                <a:effectLst>
-                  <a:outerShdw blurRad="38100" dist="38100" dir="2700000" algn="tl">
-                    <a:srgbClr val="000000">
-                      <a:alpha val="43137"/>
-                    </a:srgbClr>
-                  </a:outerShdw>
-                </a:effectLst>
-              </a:rPr>
-              <a:t>Шифрування на кожному раунді</a:t>
-            </a:r>
-            <a:endParaRPr lang="ru-RU" sz="3800" u="sng" dirty="0">
-              <a:solidFill>
-                <a:srgbClr val="286D9F"/>
-              </a:solidFill>
-              <a:effectLst>
-                <a:outerShdw blurRad="38100" dist="38100" dir="2700000" algn="tl">
-                  <a:srgbClr val="000000">
-                    <a:alpha val="43137"/>
-                  </a:srgbClr>
-                </a:outerShdw>
-              </a:effectLst>
-            </a:endParaRPr>
-          </a:p>
-        </p:txBody>
-      </p:sp>
-      <p:pic>
-        <p:nvPicPr>
-          <p:cNvPr id="4" name="Объект 7"/>
-          <p:cNvPicPr>
-            <a:picLocks noGrp="1" noChangeAspect="1"/>
-          </p:cNvPicPr>
-          <p:nvPr>
-            <p:ph idx="1"/>
-          </p:nvPr>
-        </p:nvPicPr>
-        <p:blipFill>
-          <a:blip r:embed="rId2">
-            <a:extLst>
-              <a:ext uri="{28A0092B-C50C-407E-A947-70E740481C1C}">
-                <a14:useLocalDpi xmlns:a14="http://schemas.microsoft.com/office/drawing/2010/main" val="0"/>
-              </a:ext>
-            </a:extLst>
-          </a:blip>
-          <a:stretch>
-            <a:fillRect/>
-          </a:stretch>
-        </p:blipFill>
-        <p:spPr>
-          <a:xfrm>
-            <a:off x="1287619" y="3438309"/>
-            <a:ext cx="7376799" cy="1325995"/>
-          </a:xfrm>
-        </p:spPr>
-      </p:pic>
-    </p:spTree>
-    <p:extLst>
-      <p:ext uri="{BB962C8B-B14F-4D97-AF65-F5344CB8AC3E}">
-        <p14:creationId xmlns:p14="http://schemas.microsoft.com/office/powerpoint/2010/main" val="2768293450"/>
-      </p:ext>
-    </p:extLst>
-  </p:cSld>
-  <p:clrMapOvr>
-    <a:masterClrMapping/>
-  </p:clrMapOvr>
-  <p:timing>
-    <p:tnLst>
-      <p:par>
-        <p:cTn id="1" dur="indefinite" restart="never" nodeType="tmRoot"/>
-      </p:par>
-    </p:tnLst>
-  </p:timing>
-</p:sld>
-</file>
-
-<file path=ppt/slides/slide8.xml><?xml version="1.0" encoding="utf-8"?>
-<p:sld xmlns:a="http://schemas.openxmlformats.org/drawingml/2006/main" xmlns:r="http://schemas.openxmlformats.org/officeDocument/2006/relationships" xmlns:p="http://schemas.openxmlformats.org/presentationml/2006/main">
-  <p:cSld>
-    <p:spTree>
-      <p:nvGrpSpPr>
-        <p:cNvPr id="1" name=""/>
-        <p:cNvGrpSpPr/>
-        <p:nvPr/>
-      </p:nvGrpSpPr>
-      <p:grpSpPr>
-        <a:xfrm>
-          <a:off x="0" y="0"/>
-          <a:ext cx="0" cy="0"/>
-          <a:chOff x="0" y="0"/>
-          <a:chExt cx="0" cy="0"/>
-        </a:xfrm>
-      </p:grpSpPr>
-      <p:sp>
-        <p:nvSpPr>
-          <p:cNvPr id="2" name="Заголовок 1"/>
-          <p:cNvSpPr>
-            <a:spLocks noGrp="1"/>
-          </p:cNvSpPr>
-          <p:nvPr>
-            <p:ph type="title"/>
-          </p:nvPr>
-        </p:nvSpPr>
-        <p:spPr/>
-        <p:txBody>
-          <a:bodyPr>
-            <a:normAutofit/>
-          </a:bodyPr>
-          <a:lstStyle/>
-          <a:p>
-            <a:r>
-              <a:rPr lang="uk-UA" sz="3800" u="sng" dirty="0">
-                <a:solidFill>
-                  <a:srgbClr val="286D9F"/>
-                </a:solidFill>
-                <a:effectLst>
-                  <a:outerShdw blurRad="38100" dist="38100" dir="2700000" algn="tl">
-                    <a:srgbClr val="000000">
-                      <a:alpha val="43137"/>
-                    </a:srgbClr>
-                  </a:outerShdw>
-                </a:effectLst>
-              </a:rPr>
-              <a:t>Кількість раундів</a:t>
-            </a:r>
-            <a:endParaRPr lang="ru-RU" sz="3800" u="sng" dirty="0">
-              <a:solidFill>
-                <a:srgbClr val="286D9F"/>
-              </a:solidFill>
-              <a:effectLst>
-                <a:outerShdw blurRad="38100" dist="38100" dir="2700000" algn="tl">
-                  <a:srgbClr val="000000">
-                    <a:alpha val="43137"/>
-                  </a:srgbClr>
-                </a:outerShdw>
-              </a:effectLst>
-            </a:endParaRPr>
-          </a:p>
-        </p:txBody>
-      </p:sp>
-      <p:sp>
-        <p:nvSpPr>
-          <p:cNvPr id="3" name="Объект 2"/>
-          <p:cNvSpPr>
-            <a:spLocks noGrp="1"/>
-          </p:cNvSpPr>
-          <p:nvPr>
-            <p:ph idx="1"/>
-          </p:nvPr>
-        </p:nvSpPr>
-        <p:spPr/>
-        <p:txBody>
-          <a:bodyPr>
-            <a:normAutofit/>
-          </a:bodyPr>
-          <a:lstStyle/>
-          <a:p>
-            <a:pPr>
-              <a:buFont typeface="Wingdings" panose="05000000000000000000" pitchFamily="2" charset="2"/>
-              <a:buChar char="Ø"/>
-            </a:pPr>
-            <a:r>
-              <a:rPr lang="uk-UA" sz="2400" dirty="0">
-                <a:solidFill>
-                  <a:schemeClr val="accent1">
-                    <a:lumMod val="75000"/>
-                  </a:schemeClr>
-                </a:solidFill>
-              </a:rPr>
-              <a:t>Чим більша кількість раундів, тим довше працює шифр, тим краще </a:t>
-            </a:r>
-            <a:r>
-              <a:rPr lang="uk-UA" sz="2400" dirty="0" smtClean="0">
-                <a:solidFill>
-                  <a:schemeClr val="accent1">
-                    <a:lumMod val="75000"/>
-                  </a:schemeClr>
-                </a:solidFill>
-              </a:rPr>
-              <a:t>шифруються </a:t>
-            </a:r>
-            <a:r>
-              <a:rPr lang="uk-UA" sz="2400" dirty="0">
-                <a:solidFill>
-                  <a:schemeClr val="accent1">
-                    <a:lumMod val="75000"/>
-                  </a:schemeClr>
-                </a:solidFill>
-              </a:rPr>
-              <a:t>дані.</a:t>
-            </a:r>
-          </a:p>
-          <a:p>
-            <a:pPr>
-              <a:buFont typeface="Wingdings" panose="05000000000000000000" pitchFamily="2" charset="2"/>
-              <a:buChar char="Ø"/>
-            </a:pPr>
-            <a:r>
-              <a:rPr lang="uk-UA" sz="2400" dirty="0">
-                <a:solidFill>
-                  <a:schemeClr val="accent1">
-                    <a:lumMod val="75000"/>
-                  </a:schemeClr>
-                </a:solidFill>
-              </a:rPr>
-              <a:t>Чим менша кількість раундів, тим швидше працює шифр, тим гірше шифруються дані.</a:t>
-            </a:r>
-            <a:endParaRPr lang="ru-RU" sz="2400" dirty="0">
-              <a:solidFill>
-                <a:schemeClr val="accent1">
-                  <a:lumMod val="75000"/>
-                </a:schemeClr>
-              </a:solidFill>
-            </a:endParaRPr>
-          </a:p>
-          <a:p>
-            <a:pPr>
-              <a:buFont typeface="Wingdings" panose="05000000000000000000" pitchFamily="2" charset="2"/>
-              <a:buChar char="Ø"/>
-            </a:pPr>
-            <a:endParaRPr lang="ru-RU" sz="2400" dirty="0">
-              <a:solidFill>
-                <a:schemeClr val="accent1">
-                  <a:lumMod val="75000"/>
-                </a:schemeClr>
-              </a:solidFill>
-            </a:endParaRPr>
-          </a:p>
-        </p:txBody>
-      </p:sp>
-    </p:spTree>
-    <p:extLst>
-      <p:ext uri="{BB962C8B-B14F-4D97-AF65-F5344CB8AC3E}">
-        <p14:creationId xmlns:p14="http://schemas.microsoft.com/office/powerpoint/2010/main" val="3681175137"/>
-      </p:ext>
-    </p:extLst>
-  </p:cSld>
-  <p:clrMapOvr>
-    <a:masterClrMapping/>
-  </p:clrMapOvr>
-  <p:timing>
-    <p:tnLst>
-      <p:par>
-        <p:cTn id="1" dur="indefinite" restart="never" nodeType="tmRoot"/>
-      </p:par>
-    </p:tnLst>
-  </p:timing>
-</p:sld>
-</file>
-
-<file path=ppt/slides/slide9.xml><?xml version="1.0" encoding="utf-8"?>
-<p:sld xmlns:a="http://schemas.openxmlformats.org/drawingml/2006/main" xmlns:r="http://schemas.openxmlformats.org/officeDocument/2006/relationships" xmlns:p="http://schemas.openxmlformats.org/presentationml/2006/main">
-  <p:cSld>
-    <p:spTree>
-      <p:nvGrpSpPr>
-        <p:cNvPr id="1" name=""/>
-        <p:cNvGrpSpPr/>
-        <p:nvPr/>
-      </p:nvGrpSpPr>
-      <p:grpSpPr>
-        <a:xfrm>
-          <a:off x="0" y="0"/>
-          <a:ext cx="0" cy="0"/>
-          <a:chOff x="0" y="0"/>
-          <a:chExt cx="0" cy="0"/>
-        </a:xfrm>
-      </p:grpSpPr>
-      <p:sp>
-        <p:nvSpPr>
-          <p:cNvPr id="2" name="Заголовок 1"/>
-          <p:cNvSpPr>
-            <a:spLocks noGrp="1"/>
-          </p:cNvSpPr>
-          <p:nvPr>
-            <p:ph type="title"/>
-          </p:nvPr>
-        </p:nvSpPr>
-        <p:spPr/>
-        <p:txBody>
-          <a:bodyPr>
-            <a:normAutofit/>
-          </a:bodyPr>
-          <a:lstStyle/>
-          <a:p>
-            <a:r>
-              <a:rPr lang="uk-UA" sz="3800" u="sng" dirty="0">
-                <a:solidFill>
-                  <a:srgbClr val="286D9F"/>
-                </a:solidFill>
-                <a:effectLst>
-                  <a:outerShdw blurRad="38100" dist="38100" dir="2700000" algn="tl">
-                    <a:srgbClr val="000000">
-                      <a:alpha val="43137"/>
-                    </a:srgbClr>
-                  </a:outerShdw>
-                </a:effectLst>
-              </a:rPr>
-              <a:t>Дешифрування</a:t>
-            </a:r>
-            <a:endParaRPr lang="ru-RU" sz="3800" u="sng" dirty="0">
-              <a:solidFill>
-                <a:srgbClr val="286D9F"/>
-              </a:solidFill>
-              <a:effectLst>
-                <a:outerShdw blurRad="38100" dist="38100" dir="2700000" algn="tl">
-                  <a:srgbClr val="000000">
-                    <a:alpha val="43137"/>
-                  </a:srgbClr>
-                </a:outerShdw>
-              </a:effectLst>
-            </a:endParaRPr>
-          </a:p>
-        </p:txBody>
-      </p:sp>
-      <p:pic>
-        <p:nvPicPr>
-          <p:cNvPr id="4" name="Объект 3"/>
-          <p:cNvPicPr>
-            <a:picLocks noGrp="1" noChangeAspect="1"/>
-          </p:cNvPicPr>
-          <p:nvPr>
-            <p:ph idx="1"/>
-          </p:nvPr>
-        </p:nvPicPr>
-        <p:blipFill>
-          <a:blip r:embed="rId2">
-            <a:extLst>
-              <a:ext uri="{28A0092B-C50C-407E-A947-70E740481C1C}">
-                <a14:useLocalDpi xmlns:a14="http://schemas.microsoft.com/office/drawing/2010/main" val="0"/>
-              </a:ext>
-            </a:extLst>
-          </a:blip>
-          <a:stretch>
-            <a:fillRect/>
-          </a:stretch>
-        </p:blipFill>
-        <p:spPr>
-          <a:xfrm>
-            <a:off x="1268567" y="3476412"/>
-            <a:ext cx="7414903" cy="1249788"/>
-          </a:xfrm>
-        </p:spPr>
-      </p:pic>
-    </p:spTree>
-    <p:extLst>
-      <p:ext uri="{BB962C8B-B14F-4D97-AF65-F5344CB8AC3E}">
-        <p14:creationId xmlns:p14="http://schemas.microsoft.com/office/powerpoint/2010/main" val="1912294062"/>
-      </p:ext>
-    </p:extLst>
-  </p:cSld>
-  <p:clrMapOvr>
-    <a:masterClrMapping/>
-  </p:clrMapOvr>
-  <p:timing>
-    <p:tnLst>
-      <p:par>
-        <p:cTn id="1" dur="indefinite" restart="never" nodeType="tmRoot"/>
-      </p:par>
-    </p:tnLst>
-  </p:timing>
-</p:sld>
-</file>
-
 <file path=ppt/theme/theme1.xml><?xml version="1.0" encoding="utf-8"?>
 <a:theme xmlns:a="http://schemas.openxmlformats.org/drawingml/2006/main" name="Грань">
   <a:themeElements>
